--- a/Muhammad Farhan (PHP).pptx
+++ b/Muhammad Farhan (PHP).pptx
@@ -186,7 +186,7 @@
           </a:lstStyle>
           <a:p>
             <a:r>
-              <a:rPr lang="en-US" smtClean="0"/>
+              <a:rPr lang="en-US"/>
               <a:t>Click to edit Master title style</a:t>
             </a:r>
             <a:endParaRPr lang="en-US" dirty="0"/>
@@ -306,7 +306,7 @@
           </a:lstStyle>
           <a:p>
             <a:r>
-              <a:rPr lang="en-US" smtClean="0"/>
+              <a:rPr lang="en-US"/>
               <a:t>Click to edit Master subtitle style</a:t>
             </a:r>
             <a:endParaRPr lang="en-US" dirty="0"/>
@@ -331,7 +331,7 @@
             <a:fld id="{B61BEF0D-F0BB-DE4B-95CE-6DB70DBA9567}" type="datetimeFigureOut">
               <a:rPr lang="en-US" dirty="0"/>
               <a:pPr/>
-              <a:t>11/3/2023</a:t>
+              <a:t>11/5/2023</a:t>
             </a:fld>
             <a:endParaRPr lang="en-US" dirty="0"/>
           </a:p>
@@ -519,7 +519,7 @@
           </a:lstStyle>
           <a:p>
             <a:r>
-              <a:rPr lang="en-US" smtClean="0"/>
+              <a:rPr lang="en-US"/>
               <a:t>Click to edit Master title style</a:t>
             </a:r>
             <a:endParaRPr lang="en-US" dirty="0"/>
@@ -642,7 +642,7 @@
           <a:p>
             <a:pPr lvl="0"/>
             <a:r>
-              <a:rPr lang="en-US" smtClean="0"/>
+              <a:rPr lang="en-US"/>
               <a:t>Edit Master text styles</a:t>
             </a:r>
           </a:p>
@@ -666,7 +666,7 @@
             <a:fld id="{B61BEF0D-F0BB-DE4B-95CE-6DB70DBA9567}" type="datetimeFigureOut">
               <a:rPr lang="en-US" dirty="0"/>
               <a:pPr/>
-              <a:t>11/3/2023</a:t>
+              <a:t>11/5/2023</a:t>
             </a:fld>
             <a:endParaRPr lang="en-US" dirty="0"/>
           </a:p>
@@ -854,7 +854,7 @@
           </a:lstStyle>
           <a:p>
             <a:r>
-              <a:rPr lang="en-US" smtClean="0"/>
+              <a:rPr lang="en-US"/>
               <a:t>Click to edit Master title style</a:t>
             </a:r>
             <a:endParaRPr lang="en-US" dirty="0"/>
@@ -918,7 +918,7 @@
           <a:p>
             <a:pPr lvl="0"/>
             <a:r>
-              <a:rPr lang="en-US" smtClean="0"/>
+              <a:rPr lang="en-US"/>
               <a:t>Edit Master text styles</a:t>
             </a:r>
           </a:p>
@@ -1040,7 +1040,7 @@
           <a:p>
             <a:pPr lvl="0"/>
             <a:r>
-              <a:rPr lang="en-US" smtClean="0"/>
+              <a:rPr lang="en-US"/>
               <a:t>Edit Master text styles</a:t>
             </a:r>
           </a:p>
@@ -1064,7 +1064,7 @@
             <a:fld id="{B61BEF0D-F0BB-DE4B-95CE-6DB70DBA9567}" type="datetimeFigureOut">
               <a:rPr lang="en-US" dirty="0"/>
               <a:pPr/>
-              <a:t>11/3/2023</a:t>
+              <a:t>11/5/2023</a:t>
             </a:fld>
             <a:endParaRPr lang="en-US" dirty="0"/>
           </a:p>
@@ -1328,7 +1328,7 @@
           </a:lstStyle>
           <a:p>
             <a:r>
-              <a:rPr lang="en-US" smtClean="0"/>
+              <a:rPr lang="en-US"/>
               <a:t>Click to edit Master title style</a:t>
             </a:r>
             <a:endParaRPr lang="en-US" dirty="0"/>
@@ -1373,7 +1373,7 @@
               <a:buNone/>
             </a:pPr>
             <a:r>
-              <a:rPr lang="en-US" smtClean="0"/>
+              <a:rPr lang="en-US"/>
               <a:t>Edit Master text styles</a:t>
             </a:r>
           </a:p>
@@ -1397,7 +1397,7 @@
             <a:fld id="{B61BEF0D-F0BB-DE4B-95CE-6DB70DBA9567}" type="datetimeFigureOut">
               <a:rPr lang="en-US" dirty="0"/>
               <a:pPr/>
-              <a:t>11/3/2023</a:t>
+              <a:t>11/5/2023</a:t>
             </a:fld>
             <a:endParaRPr lang="en-US" dirty="0"/>
           </a:p>
@@ -1585,7 +1585,7 @@
           </a:lstStyle>
           <a:p>
             <a:r>
-              <a:rPr lang="en-US" smtClean="0"/>
+              <a:rPr lang="en-US"/>
               <a:t>Click to edit Master title style</a:t>
             </a:r>
             <a:endParaRPr lang="en-US" dirty="0"/>
@@ -1646,7 +1646,7 @@
           <a:p>
             <a:pPr lvl="0"/>
             <a:r>
-              <a:rPr lang="en-US" smtClean="0"/>
+              <a:rPr lang="en-US"/>
               <a:t>Edit Master text styles</a:t>
             </a:r>
           </a:p>
@@ -1690,7 +1690,7 @@
               <a:buNone/>
             </a:pPr>
             <a:r>
-              <a:rPr lang="en-US" smtClean="0"/>
+              <a:rPr lang="en-US"/>
               <a:t>Edit Master text styles</a:t>
             </a:r>
           </a:p>
@@ -1714,7 +1714,7 @@
             <a:fld id="{B61BEF0D-F0BB-DE4B-95CE-6DB70DBA9567}" type="datetimeFigureOut">
               <a:rPr lang="en-US" dirty="0"/>
               <a:pPr/>
-              <a:t>11/3/2023</a:t>
+              <a:t>11/5/2023</a:t>
             </a:fld>
             <a:endParaRPr lang="en-US" dirty="0"/>
           </a:p>
@@ -1978,7 +1978,7 @@
           </a:lstStyle>
           <a:p>
             <a:r>
-              <a:rPr lang="en-US" smtClean="0"/>
+              <a:rPr lang="en-US"/>
               <a:t>Click to edit Master title style</a:t>
             </a:r>
             <a:endParaRPr lang="en-US" dirty="0"/>
@@ -2039,7 +2039,7 @@
           <a:p>
             <a:pPr lvl="0"/>
             <a:r>
-              <a:rPr lang="en-US" smtClean="0"/>
+              <a:rPr lang="en-US"/>
               <a:t>Edit Master text styles</a:t>
             </a:r>
           </a:p>
@@ -2083,7 +2083,7 @@
               <a:buNone/>
             </a:pPr>
             <a:r>
-              <a:rPr lang="en-US" smtClean="0"/>
+              <a:rPr lang="en-US"/>
               <a:t>Edit Master text styles</a:t>
             </a:r>
           </a:p>
@@ -2107,7 +2107,7 @@
             <a:fld id="{B61BEF0D-F0BB-DE4B-95CE-6DB70DBA9567}" type="datetimeFigureOut">
               <a:rPr lang="en-US" dirty="0"/>
               <a:pPr/>
-              <a:t>11/3/2023</a:t>
+              <a:t>11/5/2023</a:t>
             </a:fld>
             <a:endParaRPr lang="en-US" dirty="0"/>
           </a:p>
@@ -2284,7 +2284,7 @@
           <a:lstStyle/>
           <a:p>
             <a:r>
-              <a:rPr lang="en-US" smtClean="0"/>
+              <a:rPr lang="en-US"/>
               <a:t>Click to edit Master title style</a:t>
             </a:r>
             <a:endParaRPr lang="en-US" dirty="0"/>
@@ -2308,35 +2308,35 @@
           <a:p>
             <a:pPr lvl="0"/>
             <a:r>
-              <a:rPr lang="en-US" smtClean="0"/>
+              <a:rPr lang="en-US"/>
               <a:t>Edit Master text styles</a:t>
             </a:r>
           </a:p>
           <a:p>
             <a:pPr lvl="1"/>
             <a:r>
-              <a:rPr lang="en-US" smtClean="0"/>
+              <a:rPr lang="en-US"/>
               <a:t>Second level</a:t>
             </a:r>
           </a:p>
           <a:p>
             <a:pPr lvl="2"/>
             <a:r>
-              <a:rPr lang="en-US" smtClean="0"/>
+              <a:rPr lang="en-US"/>
               <a:t>Third level</a:t>
             </a:r>
           </a:p>
           <a:p>
             <a:pPr lvl="3"/>
             <a:r>
-              <a:rPr lang="en-US" smtClean="0"/>
+              <a:rPr lang="en-US"/>
               <a:t>Fourth level</a:t>
             </a:r>
           </a:p>
           <a:p>
             <a:pPr lvl="4"/>
             <a:r>
-              <a:rPr lang="en-US" smtClean="0"/>
+              <a:rPr lang="en-US"/>
               <a:t>Fifth level</a:t>
             </a:r>
             <a:endParaRPr lang="en-US" dirty="0"/>
@@ -2361,7 +2361,7 @@
             <a:fld id="{B61BEF0D-F0BB-DE4B-95CE-6DB70DBA9567}" type="datetimeFigureOut">
               <a:rPr lang="en-US" dirty="0"/>
               <a:pPr/>
-              <a:t>11/3/2023</a:t>
+              <a:t>11/5/2023</a:t>
             </a:fld>
             <a:endParaRPr lang="en-US" dirty="0"/>
           </a:p>
@@ -2538,7 +2538,7 @@
           <a:lstStyle/>
           <a:p>
             <a:r>
-              <a:rPr lang="en-US" smtClean="0"/>
+              <a:rPr lang="en-US"/>
               <a:t>Click to edit Master title style</a:t>
             </a:r>
             <a:endParaRPr lang="en-US" dirty="0"/>
@@ -2567,35 +2567,35 @@
           <a:p>
             <a:pPr lvl="0"/>
             <a:r>
-              <a:rPr lang="en-US" smtClean="0"/>
+              <a:rPr lang="en-US"/>
               <a:t>Edit Master text styles</a:t>
             </a:r>
           </a:p>
           <a:p>
             <a:pPr lvl="1"/>
             <a:r>
-              <a:rPr lang="en-US" smtClean="0"/>
+              <a:rPr lang="en-US"/>
               <a:t>Second level</a:t>
             </a:r>
           </a:p>
           <a:p>
             <a:pPr lvl="2"/>
             <a:r>
-              <a:rPr lang="en-US" smtClean="0"/>
+              <a:rPr lang="en-US"/>
               <a:t>Third level</a:t>
             </a:r>
           </a:p>
           <a:p>
             <a:pPr lvl="3"/>
             <a:r>
-              <a:rPr lang="en-US" smtClean="0"/>
+              <a:rPr lang="en-US"/>
               <a:t>Fourth level</a:t>
             </a:r>
           </a:p>
           <a:p>
             <a:pPr lvl="4"/>
             <a:r>
-              <a:rPr lang="en-US" smtClean="0"/>
+              <a:rPr lang="en-US"/>
               <a:t>Fifth level</a:t>
             </a:r>
             <a:endParaRPr lang="en-US" dirty="0"/>
@@ -2620,7 +2620,7 @@
             <a:fld id="{B61BEF0D-F0BB-DE4B-95CE-6DB70DBA9567}" type="datetimeFigureOut">
               <a:rPr lang="en-US" dirty="0"/>
               <a:pPr/>
-              <a:t>11/3/2023</a:t>
+              <a:t>11/5/2023</a:t>
             </a:fld>
             <a:endParaRPr lang="en-US" dirty="0"/>
           </a:p>
@@ -2797,7 +2797,7 @@
           <a:lstStyle/>
           <a:p>
             <a:r>
-              <a:rPr lang="en-US" smtClean="0"/>
+              <a:rPr lang="en-US"/>
               <a:t>Click to edit Master title style</a:t>
             </a:r>
             <a:endParaRPr lang="en-US" dirty="0"/>
@@ -2826,35 +2826,35 @@
           <a:p>
             <a:pPr lvl="0"/>
             <a:r>
-              <a:rPr lang="en-US" smtClean="0"/>
+              <a:rPr lang="en-US"/>
               <a:t>Edit Master text styles</a:t>
             </a:r>
           </a:p>
           <a:p>
             <a:pPr lvl="1"/>
             <a:r>
-              <a:rPr lang="en-US" smtClean="0"/>
+              <a:rPr lang="en-US"/>
               <a:t>Second level</a:t>
             </a:r>
           </a:p>
           <a:p>
             <a:pPr lvl="2"/>
             <a:r>
-              <a:rPr lang="en-US" smtClean="0"/>
+              <a:rPr lang="en-US"/>
               <a:t>Third level</a:t>
             </a:r>
           </a:p>
           <a:p>
             <a:pPr lvl="3"/>
             <a:r>
-              <a:rPr lang="en-US" smtClean="0"/>
+              <a:rPr lang="en-US"/>
               <a:t>Fourth level</a:t>
             </a:r>
           </a:p>
           <a:p>
             <a:pPr lvl="4"/>
             <a:r>
-              <a:rPr lang="en-US" smtClean="0"/>
+              <a:rPr lang="en-US"/>
               <a:t>Fifth level</a:t>
             </a:r>
             <a:endParaRPr lang="en-US" dirty="0"/>
@@ -2879,7 +2879,7 @@
             <a:fld id="{B61BEF0D-F0BB-DE4B-95CE-6DB70DBA9567}" type="datetimeFigureOut">
               <a:rPr lang="en-US" dirty="0"/>
               <a:pPr/>
-              <a:t>11/3/2023</a:t>
+              <a:t>11/5/2023</a:t>
             </a:fld>
             <a:endParaRPr lang="en-US" dirty="0"/>
           </a:p>
@@ -3060,7 +3060,7 @@
           </a:lstStyle>
           <a:p>
             <a:r>
-              <a:rPr lang="en-US" smtClean="0"/>
+              <a:rPr lang="en-US"/>
               <a:t>Click to edit Master title style</a:t>
             </a:r>
             <a:endParaRPr lang="en-US" dirty="0"/>
@@ -3181,7 +3181,7 @@
           <a:p>
             <a:pPr lvl="0"/>
             <a:r>
-              <a:rPr lang="en-US" smtClean="0"/>
+              <a:rPr lang="en-US"/>
               <a:t>Edit Master text styles</a:t>
             </a:r>
           </a:p>
@@ -3205,7 +3205,7 @@
             <a:fld id="{B61BEF0D-F0BB-DE4B-95CE-6DB70DBA9567}" type="datetimeFigureOut">
               <a:rPr lang="en-US" dirty="0"/>
               <a:pPr/>
-              <a:t>11/3/2023</a:t>
+              <a:t>11/5/2023</a:t>
             </a:fld>
             <a:endParaRPr lang="en-US" dirty="0"/>
           </a:p>
@@ -3382,7 +3382,7 @@
           <a:lstStyle/>
           <a:p>
             <a:r>
-              <a:rPr lang="en-US" smtClean="0"/>
+              <a:rPr lang="en-US"/>
               <a:t>Click to edit Master title style</a:t>
             </a:r>
             <a:endParaRPr lang="en-US" dirty="0"/>
@@ -3413,35 +3413,35 @@
           <a:p>
             <a:pPr lvl="0"/>
             <a:r>
-              <a:rPr lang="en-US" smtClean="0"/>
+              <a:rPr lang="en-US"/>
               <a:t>Edit Master text styles</a:t>
             </a:r>
           </a:p>
           <a:p>
             <a:pPr lvl="1"/>
             <a:r>
-              <a:rPr lang="en-US" smtClean="0"/>
+              <a:rPr lang="en-US"/>
               <a:t>Second level</a:t>
             </a:r>
           </a:p>
           <a:p>
             <a:pPr lvl="2"/>
             <a:r>
-              <a:rPr lang="en-US" smtClean="0"/>
+              <a:rPr lang="en-US"/>
               <a:t>Third level</a:t>
             </a:r>
           </a:p>
           <a:p>
             <a:pPr lvl="3"/>
             <a:r>
-              <a:rPr lang="en-US" smtClean="0"/>
+              <a:rPr lang="en-US"/>
               <a:t>Fourth level</a:t>
             </a:r>
           </a:p>
           <a:p>
             <a:pPr lvl="4"/>
             <a:r>
-              <a:rPr lang="en-US" smtClean="0"/>
+              <a:rPr lang="en-US"/>
               <a:t>Fifth level</a:t>
             </a:r>
             <a:endParaRPr lang="en-US" dirty="0"/>
@@ -3472,35 +3472,35 @@
           <a:p>
             <a:pPr lvl="0"/>
             <a:r>
-              <a:rPr lang="en-US" smtClean="0"/>
+              <a:rPr lang="en-US"/>
               <a:t>Edit Master text styles</a:t>
             </a:r>
           </a:p>
           <a:p>
             <a:pPr lvl="1"/>
             <a:r>
-              <a:rPr lang="en-US" smtClean="0"/>
+              <a:rPr lang="en-US"/>
               <a:t>Second level</a:t>
             </a:r>
           </a:p>
           <a:p>
             <a:pPr lvl="2"/>
             <a:r>
-              <a:rPr lang="en-US" smtClean="0"/>
+              <a:rPr lang="en-US"/>
               <a:t>Third level</a:t>
             </a:r>
           </a:p>
           <a:p>
             <a:pPr lvl="3"/>
             <a:r>
-              <a:rPr lang="en-US" smtClean="0"/>
+              <a:rPr lang="en-US"/>
               <a:t>Fourth level</a:t>
             </a:r>
           </a:p>
           <a:p>
             <a:pPr lvl="4"/>
             <a:r>
-              <a:rPr lang="en-US" smtClean="0"/>
+              <a:rPr lang="en-US"/>
               <a:t>Fifth level</a:t>
             </a:r>
             <a:endParaRPr lang="en-US" dirty="0"/>
@@ -3525,7 +3525,7 @@
             <a:fld id="{B61BEF0D-F0BB-DE4B-95CE-6DB70DBA9567}" type="datetimeFigureOut">
               <a:rPr lang="en-US" dirty="0"/>
               <a:pPr/>
-              <a:t>11/3/2023</a:t>
+              <a:t>11/5/2023</a:t>
             </a:fld>
             <a:endParaRPr lang="en-US" dirty="0"/>
           </a:p>
@@ -3702,7 +3702,7 @@
           <a:lstStyle/>
           <a:p>
             <a:r>
-              <a:rPr lang="en-US" smtClean="0"/>
+              <a:rPr lang="en-US"/>
               <a:t>Click to edit Master title style</a:t>
             </a:r>
             <a:endParaRPr lang="en-US" dirty="0"/>
@@ -3770,7 +3770,7 @@
           <a:p>
             <a:pPr lvl="0"/>
             <a:r>
-              <a:rPr lang="en-US" smtClean="0"/>
+              <a:rPr lang="en-US"/>
               <a:t>Edit Master text styles</a:t>
             </a:r>
           </a:p>
@@ -3800,35 +3800,35 @@
           <a:p>
             <a:pPr lvl="0"/>
             <a:r>
-              <a:rPr lang="en-US" smtClean="0"/>
+              <a:rPr lang="en-US"/>
               <a:t>Edit Master text styles</a:t>
             </a:r>
           </a:p>
           <a:p>
             <a:pPr lvl="1"/>
             <a:r>
-              <a:rPr lang="en-US" smtClean="0"/>
+              <a:rPr lang="en-US"/>
               <a:t>Second level</a:t>
             </a:r>
           </a:p>
           <a:p>
             <a:pPr lvl="2"/>
             <a:r>
-              <a:rPr lang="en-US" smtClean="0"/>
+              <a:rPr lang="en-US"/>
               <a:t>Third level</a:t>
             </a:r>
           </a:p>
           <a:p>
             <a:pPr lvl="3"/>
             <a:r>
-              <a:rPr lang="en-US" smtClean="0"/>
+              <a:rPr lang="en-US"/>
               <a:t>Fourth level</a:t>
             </a:r>
           </a:p>
           <a:p>
             <a:pPr lvl="4"/>
             <a:r>
-              <a:rPr lang="en-US" smtClean="0"/>
+              <a:rPr lang="en-US"/>
               <a:t>Fifth level</a:t>
             </a:r>
             <a:endParaRPr lang="en-US" dirty="0"/>
@@ -3896,7 +3896,7 @@
           <a:p>
             <a:pPr lvl="0"/>
             <a:r>
-              <a:rPr lang="en-US" smtClean="0"/>
+              <a:rPr lang="en-US"/>
               <a:t>Edit Master text styles</a:t>
             </a:r>
           </a:p>
@@ -3926,35 +3926,35 @@
           <a:p>
             <a:pPr lvl="0"/>
             <a:r>
-              <a:rPr lang="en-US" smtClean="0"/>
+              <a:rPr lang="en-US"/>
               <a:t>Edit Master text styles</a:t>
             </a:r>
           </a:p>
           <a:p>
             <a:pPr lvl="1"/>
             <a:r>
-              <a:rPr lang="en-US" smtClean="0"/>
+              <a:rPr lang="en-US"/>
               <a:t>Second level</a:t>
             </a:r>
           </a:p>
           <a:p>
             <a:pPr lvl="2"/>
             <a:r>
-              <a:rPr lang="en-US" smtClean="0"/>
+              <a:rPr lang="en-US"/>
               <a:t>Third level</a:t>
             </a:r>
           </a:p>
           <a:p>
             <a:pPr lvl="3"/>
             <a:r>
-              <a:rPr lang="en-US" smtClean="0"/>
+              <a:rPr lang="en-US"/>
               <a:t>Fourth level</a:t>
             </a:r>
           </a:p>
           <a:p>
             <a:pPr lvl="4"/>
             <a:r>
-              <a:rPr lang="en-US" smtClean="0"/>
+              <a:rPr lang="en-US"/>
               <a:t>Fifth level</a:t>
             </a:r>
             <a:endParaRPr lang="en-US" dirty="0"/>
@@ -3979,7 +3979,7 @@
             <a:fld id="{B61BEF0D-F0BB-DE4B-95CE-6DB70DBA9567}" type="datetimeFigureOut">
               <a:rPr lang="en-US" dirty="0"/>
               <a:pPr/>
-              <a:t>11/3/2023</a:t>
+              <a:t>11/5/2023</a:t>
             </a:fld>
             <a:endParaRPr lang="en-US" dirty="0"/>
           </a:p>
@@ -4156,7 +4156,7 @@
           <a:lstStyle/>
           <a:p>
             <a:r>
-              <a:rPr lang="en-US" smtClean="0"/>
+              <a:rPr lang="en-US"/>
               <a:t>Click to edit Master title style</a:t>
             </a:r>
             <a:endParaRPr lang="en-US" dirty="0"/>
@@ -4181,7 +4181,7 @@
             <a:fld id="{B61BEF0D-F0BB-DE4B-95CE-6DB70DBA9567}" type="datetimeFigureOut">
               <a:rPr lang="en-US" dirty="0"/>
               <a:pPr/>
-              <a:t>11/3/2023</a:t>
+              <a:t>11/5/2023</a:t>
             </a:fld>
             <a:endParaRPr lang="en-US" dirty="0"/>
           </a:p>
@@ -4355,7 +4355,7 @@
             <a:fld id="{B61BEF0D-F0BB-DE4B-95CE-6DB70DBA9567}" type="datetimeFigureOut">
               <a:rPr lang="en-US" dirty="0"/>
               <a:pPr/>
-              <a:t>11/3/2023</a:t>
+              <a:t>11/5/2023</a:t>
             </a:fld>
             <a:endParaRPr lang="en-US" dirty="0"/>
           </a:p>
@@ -4536,7 +4536,7 @@
           </a:lstStyle>
           <a:p>
             <a:r>
-              <a:rPr lang="en-US" smtClean="0"/>
+              <a:rPr lang="en-US"/>
               <a:t>Click to edit Master title style</a:t>
             </a:r>
             <a:endParaRPr lang="en-US" dirty="0"/>
@@ -4567,35 +4567,35 @@
           <a:p>
             <a:pPr lvl="0"/>
             <a:r>
-              <a:rPr lang="en-US" smtClean="0"/>
+              <a:rPr lang="en-US"/>
               <a:t>Edit Master text styles</a:t>
             </a:r>
           </a:p>
           <a:p>
             <a:pPr lvl="1"/>
             <a:r>
-              <a:rPr lang="en-US" smtClean="0"/>
+              <a:rPr lang="en-US"/>
               <a:t>Second level</a:t>
             </a:r>
           </a:p>
           <a:p>
             <a:pPr lvl="2"/>
             <a:r>
-              <a:rPr lang="en-US" smtClean="0"/>
+              <a:rPr lang="en-US"/>
               <a:t>Third level</a:t>
             </a:r>
           </a:p>
           <a:p>
             <a:pPr lvl="3"/>
             <a:r>
-              <a:rPr lang="en-US" smtClean="0"/>
+              <a:rPr lang="en-US"/>
               <a:t>Fourth level</a:t>
             </a:r>
           </a:p>
           <a:p>
             <a:pPr lvl="4"/>
             <a:r>
-              <a:rPr lang="en-US" smtClean="0"/>
+              <a:rPr lang="en-US"/>
               <a:t>Fifth level</a:t>
             </a:r>
             <a:endParaRPr lang="en-US" dirty="0"/>
@@ -4661,7 +4661,7 @@
           <a:p>
             <a:pPr lvl="0"/>
             <a:r>
-              <a:rPr lang="en-US" smtClean="0"/>
+              <a:rPr lang="en-US"/>
               <a:t>Edit Master text styles</a:t>
             </a:r>
           </a:p>
@@ -4685,7 +4685,7 @@
             <a:fld id="{B61BEF0D-F0BB-DE4B-95CE-6DB70DBA9567}" type="datetimeFigureOut">
               <a:rPr lang="en-US" dirty="0"/>
               <a:pPr/>
-              <a:t>11/3/2023</a:t>
+              <a:t>11/5/2023</a:t>
             </a:fld>
             <a:endParaRPr lang="en-US" dirty="0"/>
           </a:p>
@@ -4868,7 +4868,7 @@
           </a:lstStyle>
           <a:p>
             <a:r>
-              <a:rPr lang="en-US" smtClean="0"/>
+              <a:rPr lang="en-US"/>
               <a:t>Click to edit Master title style</a:t>
             </a:r>
             <a:endParaRPr lang="en-US" dirty="0"/>
@@ -4935,7 +4935,7 @@
           </a:lstStyle>
           <a:p>
             <a:r>
-              <a:rPr lang="en-US" smtClean="0"/>
+              <a:rPr lang="en-US"/>
               <a:t>Click icon to add picture</a:t>
             </a:r>
             <a:endParaRPr lang="en-US" dirty="0"/>
@@ -5003,7 +5003,7 @@
           <a:p>
             <a:pPr lvl="0"/>
             <a:r>
-              <a:rPr lang="en-US" smtClean="0"/>
+              <a:rPr lang="en-US"/>
               <a:t>Edit Master text styles</a:t>
             </a:r>
           </a:p>
@@ -5027,7 +5027,7 @@
             <a:fld id="{B61BEF0D-F0BB-DE4B-95CE-6DB70DBA9567}" type="datetimeFigureOut">
               <a:rPr lang="en-US" dirty="0"/>
               <a:pPr/>
-              <a:t>11/3/2023</a:t>
+              <a:t>11/5/2023</a:t>
             </a:fld>
             <a:endParaRPr lang="en-US" dirty="0"/>
           </a:p>
@@ -7036,7 +7036,7 @@
           <a:lstStyle/>
           <a:p>
             <a:r>
-              <a:rPr lang="en-US" smtClean="0"/>
+              <a:rPr lang="en-US"/>
               <a:t>Click to edit Master title style</a:t>
             </a:r>
             <a:endParaRPr lang="en-US" dirty="0"/>
@@ -7070,35 +7070,35 @@
           <a:p>
             <a:pPr lvl="0"/>
             <a:r>
-              <a:rPr lang="en-US" smtClean="0"/>
+              <a:rPr lang="en-US"/>
               <a:t>Edit Master text styles</a:t>
             </a:r>
           </a:p>
           <a:p>
             <a:pPr lvl="1"/>
             <a:r>
-              <a:rPr lang="en-US" smtClean="0"/>
+              <a:rPr lang="en-US"/>
               <a:t>Second level</a:t>
             </a:r>
           </a:p>
           <a:p>
             <a:pPr lvl="2"/>
             <a:r>
-              <a:rPr lang="en-US" smtClean="0"/>
+              <a:rPr lang="en-US"/>
               <a:t>Third level</a:t>
             </a:r>
           </a:p>
           <a:p>
             <a:pPr lvl="3"/>
             <a:r>
-              <a:rPr lang="en-US" smtClean="0"/>
+              <a:rPr lang="en-US"/>
               <a:t>Fourth level</a:t>
             </a:r>
           </a:p>
           <a:p>
             <a:pPr lvl="4"/>
             <a:r>
-              <a:rPr lang="en-US" smtClean="0"/>
+              <a:rPr lang="en-US"/>
               <a:t>Fifth level</a:t>
             </a:r>
             <a:endParaRPr lang="en-US" dirty="0"/>
@@ -7141,7 +7141,7 @@
             <a:fld id="{B61BEF0D-F0BB-DE4B-95CE-6DB70DBA9567}" type="datetimeFigureOut">
               <a:rPr lang="en-US" dirty="0"/>
               <a:pPr/>
-              <a:t>11/3/2023</a:t>
+              <a:t>11/5/2023</a:t>
             </a:fld>
             <a:endParaRPr lang="en-US" dirty="0"/>
           </a:p>
@@ -7675,10 +7675,9 @@
           <a:lstStyle/>
           <a:p>
             <a:r>
-              <a:rPr lang="en-US" b="1" dirty="0" smtClean="0"/>
+              <a:rPr lang="en-US" b="1" dirty="0"/>
               <a:t>Muhammad Farhan</a:t>
             </a:r>
-            <a:endParaRPr lang="en-US" b="1" dirty="0"/>
           </a:p>
         </p:txBody>
       </p:sp>
@@ -7705,42 +7704,32 @@
           <a:lstStyle/>
           <a:p>
             <a:r>
-              <a:rPr lang="en-US" b="1" dirty="0" smtClean="0"/>
+              <a:rPr lang="en-US" b="1" dirty="0"/>
               <a:t>FULL Stack Web Developer</a:t>
             </a:r>
           </a:p>
           <a:p>
             <a:r>
-              <a:rPr lang="en-US" b="1" dirty="0" smtClean="0"/>
+              <a:rPr lang="en-US" b="1" dirty="0"/>
               <a:t>MEAN/MERN Stack Developer</a:t>
             </a:r>
           </a:p>
           <a:p>
             <a:r>
-              <a:rPr lang="en-US" b="1" dirty="0" smtClean="0"/>
+              <a:rPr lang="en-US" b="1" dirty="0"/>
               <a:t>Instructor at PNY Multan</a:t>
             </a:r>
           </a:p>
           <a:p>
             <a:r>
-              <a:rPr lang="en-US" b="1" dirty="0" smtClean="0"/>
-              <a:t>For </a:t>
-            </a:r>
-            <a:r>
               <a:rPr lang="en-US" b="1" dirty="0"/>
-              <a:t>More Follow: </a:t>
+              <a:t>For More Follow: </a:t>
             </a:r>
             <a:r>
               <a:rPr lang="en-US" b="1" dirty="0">
                 <a:hlinkClick r:id="rId2"/>
               </a:rPr>
-              <a:t>https://www.pnytrainings.com</a:t>
-            </a:r>
-            <a:r>
-              <a:rPr lang="en-US" b="1" dirty="0" smtClean="0">
-                <a:hlinkClick r:id="rId2"/>
-              </a:rPr>
-              <a:t>/</a:t>
+              <a:t>https://www.pnytrainings.com/</a:t>
             </a:r>
             <a:endParaRPr lang="en-US" b="1" dirty="0"/>
           </a:p>
@@ -7756,13 +7745,6 @@
   <p:clrMapOvr>
     <a:masterClrMapping/>
   </p:clrMapOvr>
-  <p:timing>
-    <p:tnLst>
-      <p:par>
-        <p:cTn id="1" dur="indefinite" restart="never" nodeType="tmRoot"/>
-      </p:par>
-    </p:tnLst>
-  </p:timing>
 </p:sld>
 </file>
 
@@ -7804,10 +7786,9 @@
           <a:lstStyle/>
           <a:p>
             <a:r>
-              <a:rPr lang="en-US" b="1" dirty="0" smtClean="0"/>
+              <a:rPr lang="en-US" b="1" dirty="0"/>
               <a:t>Math Functions in PHP</a:t>
             </a:r>
-            <a:endParaRPr lang="en-US" b="1" dirty="0"/>
           </a:p>
         </p:txBody>
       </p:sp>
@@ -7839,7 +7820,7 @@
               </a:lnSpc>
             </a:pPr>
             <a:r>
-              <a:rPr lang="en-US" dirty="0" smtClean="0"/>
+              <a:rPr lang="en-US" dirty="0"/>
               <a:t>PHP Provides some built in math functions</a:t>
             </a:r>
           </a:p>
@@ -7854,13 +7835,13 @@
               <a:t>echo(pi()); </a:t>
             </a:r>
             <a:r>
-              <a:rPr lang="en-US" dirty="0" smtClean="0">
+              <a:rPr lang="en-US" dirty="0">
                 <a:sym typeface="Wingdings" panose="05000000000000000000" pitchFamily="2" charset="2"/>
               </a:rPr>
               <a:t></a:t>
             </a:r>
             <a:r>
-              <a:rPr lang="en-US" dirty="0" smtClean="0"/>
+              <a:rPr lang="en-US" dirty="0"/>
               <a:t> 3.1415926535898</a:t>
             </a:r>
           </a:p>
@@ -7871,15 +7852,11 @@
               </a:lnSpc>
             </a:pPr>
             <a:r>
-              <a:rPr lang="en-US" dirty="0" smtClean="0"/>
-              <a:t>echo(min(20, 10));</a:t>
-            </a:r>
-            <a:r>
-              <a:rPr lang="en-US" dirty="0"/>
-              <a:t>  </a:t>
-            </a:r>
-            <a:r>
-              <a:rPr lang="en-US" dirty="0" smtClean="0">
+              <a:rPr lang="en-US" dirty="0"/>
+              <a:t>echo(min(20, 10));  </a:t>
+            </a:r>
+            <a:r>
+              <a:rPr lang="en-US" dirty="0">
                 <a:sym typeface="Wingdings" panose="05000000000000000000" pitchFamily="2" charset="2"/>
               </a:rPr>
               <a:t> 10</a:t>
@@ -7892,15 +7869,11 @@
               </a:lnSpc>
             </a:pPr>
             <a:r>
-              <a:rPr lang="en-US" dirty="0" smtClean="0"/>
-              <a:t>echo(max(20, 10));</a:t>
-            </a:r>
-            <a:r>
-              <a:rPr lang="en-US" dirty="0"/>
-              <a:t>  </a:t>
-            </a:r>
-            <a:r>
-              <a:rPr lang="en-US" dirty="0" smtClean="0">
+              <a:rPr lang="en-US" dirty="0"/>
+              <a:t>echo(max(20, 10));  </a:t>
+            </a:r>
+            <a:r>
+              <a:rPr lang="en-US" dirty="0">
                 <a:sym typeface="Wingdings" panose="05000000000000000000" pitchFamily="2" charset="2"/>
               </a:rPr>
               <a:t> 20</a:t>
@@ -7913,29 +7886,25 @@
               </a:lnSpc>
             </a:pPr>
             <a:r>
-              <a:rPr lang="en-US" dirty="0" smtClean="0"/>
+              <a:rPr lang="en-US" dirty="0"/>
               <a:t>echo(</a:t>
             </a:r>
             <a:r>
-              <a:rPr lang="en-US" dirty="0" err="1" smtClean="0"/>
+              <a:rPr lang="en-US" dirty="0" err="1"/>
               <a:t>sqrt</a:t>
             </a:r>
             <a:r>
-              <a:rPr lang="en-US" dirty="0" smtClean="0"/>
-              <a:t>(49));</a:t>
-            </a:r>
-            <a:r>
-              <a:rPr lang="en-US" dirty="0"/>
-              <a:t>  </a:t>
-            </a:r>
-            <a:r>
-              <a:rPr lang="en-US" dirty="0" smtClean="0">
+              <a:rPr lang="en-US" dirty="0"/>
+              <a:t>(49));  </a:t>
+            </a:r>
+            <a:r>
+              <a:rPr lang="en-US" dirty="0">
                 <a:sym typeface="Wingdings" panose="05000000000000000000" pitchFamily="2" charset="2"/>
               </a:rPr>
               <a:t></a:t>
             </a:r>
             <a:r>
-              <a:rPr lang="en-US" dirty="0" smtClean="0"/>
+              <a:rPr lang="en-US" dirty="0"/>
               <a:t> 7</a:t>
             </a:r>
           </a:p>
@@ -7946,94 +7915,8 @@
               </a:lnSpc>
             </a:pPr>
             <a:r>
-              <a:rPr lang="en-US" dirty="0" smtClean="0"/>
-              <a:t>echo(round(1.4));</a:t>
-            </a:r>
-            <a:r>
-              <a:rPr lang="en-US" dirty="0"/>
-              <a:t>  </a:t>
-            </a:r>
-            <a:r>
-              <a:rPr lang="en-US" dirty="0" smtClean="0">
-                <a:sym typeface="Wingdings" panose="05000000000000000000" pitchFamily="2" charset="2"/>
-              </a:rPr>
-              <a:t> </a:t>
-            </a:r>
-            <a:r>
-              <a:rPr lang="en-US" dirty="0" smtClean="0"/>
-              <a:t>1</a:t>
-            </a:r>
-          </a:p>
-          <a:p>
-            <a:pPr lvl="1">
-              <a:lnSpc>
-                <a:spcPct val="150000"/>
-              </a:lnSpc>
-            </a:pPr>
-            <a:r>
-              <a:rPr lang="en-US" dirty="0" smtClean="0"/>
-              <a:t>echo(round(1.6));</a:t>
-            </a:r>
-            <a:r>
-              <a:rPr lang="en-US" dirty="0"/>
-              <a:t>  </a:t>
-            </a:r>
-            <a:r>
-              <a:rPr lang="en-US" dirty="0" smtClean="0">
-                <a:sym typeface="Wingdings" panose="05000000000000000000" pitchFamily="2" charset="2"/>
-              </a:rPr>
-              <a:t> 2</a:t>
-            </a:r>
-            <a:endParaRPr lang="en-US" dirty="0"/>
-          </a:p>
-          <a:p>
-            <a:pPr lvl="1">
-              <a:lnSpc>
-                <a:spcPct val="150000"/>
-              </a:lnSpc>
-            </a:pPr>
-            <a:r>
-              <a:rPr lang="en-US" dirty="0"/>
-              <a:t>echo(rand</a:t>
-            </a:r>
-            <a:r>
-              <a:rPr lang="en-US" dirty="0" smtClean="0"/>
-              <a:t>()); </a:t>
-            </a:r>
-            <a:r>
-              <a:rPr lang="en-US" dirty="0" smtClean="0">
-                <a:sym typeface="Wingdings" panose="05000000000000000000" pitchFamily="2" charset="2"/>
-              </a:rPr>
-              <a:t> </a:t>
-            </a:r>
-            <a:r>
-              <a:rPr lang="en-US" dirty="0" smtClean="0"/>
-              <a:t>1242107235, echo(rand(10, 100)); </a:t>
-            </a:r>
-            <a:r>
-              <a:rPr lang="en-US" dirty="0" smtClean="0">
-                <a:sym typeface="Wingdings" panose="05000000000000000000" pitchFamily="2" charset="2"/>
-              </a:rPr>
-              <a:t> 30</a:t>
-            </a:r>
-            <a:r>
-              <a:rPr lang="en-US" dirty="0" smtClean="0"/>
-              <a:t> </a:t>
-            </a:r>
-          </a:p>
-          <a:p>
-            <a:pPr lvl="1">
-              <a:lnSpc>
-                <a:spcPct val="150000"/>
-              </a:lnSpc>
-            </a:pPr>
-            <a:r>
-              <a:rPr lang="en-US" dirty="0" smtClean="0"/>
-              <a:t>echo(ceil(1.4</a:t>
-            </a:r>
-            <a:r>
-              <a:rPr lang="en-US" dirty="0"/>
-              <a:t>));  </a:t>
+              <a:rPr lang="en-US" dirty="0"/>
+              <a:t>echo(round(1.4));  </a:t>
             </a:r>
             <a:r>
               <a:rPr lang="en-US" dirty="0">
@@ -8042,11 +7925,27 @@
               <a:t> </a:t>
             </a:r>
             <a:r>
-              <a:rPr lang="en-US" dirty="0" smtClean="0">
+              <a:rPr lang="en-US" dirty="0"/>
+              <a:t>1</a:t>
+            </a:r>
+          </a:p>
+          <a:p>
+            <a:pPr lvl="1">
+              <a:lnSpc>
+                <a:spcPct val="150000"/>
+              </a:lnSpc>
+            </a:pPr>
+            <a:r>
+              <a:rPr lang="en-US" dirty="0"/>
+              <a:t>echo(round(1.6));  </a:t>
+            </a:r>
+            <a:r>
+              <a:rPr lang="en-US" dirty="0">
                 <a:sym typeface="Wingdings" panose="05000000000000000000" pitchFamily="2" charset="2"/>
               </a:rPr>
-              <a:t>2 </a:t>
-            </a:r>
+              <a:t> 2</a:t>
+            </a:r>
+            <a:endParaRPr lang="en-US" dirty="0"/>
           </a:p>
           <a:p>
             <a:pPr lvl="1">
@@ -8055,12 +7954,56 @@
               </a:lnSpc>
             </a:pPr>
             <a:r>
-              <a:rPr lang="en-US" dirty="0" smtClean="0"/>
-              <a:t>echo(floor(1.6));</a:t>
-            </a:r>
-            <a:r>
-              <a:rPr lang="en-US" dirty="0"/>
-              <a:t>  </a:t>
+              <a:rPr lang="en-US" dirty="0"/>
+              <a:t>echo(rand()); </a:t>
+            </a:r>
+            <a:r>
+              <a:rPr lang="en-US" dirty="0">
+                <a:sym typeface="Wingdings" panose="05000000000000000000" pitchFamily="2" charset="2"/>
+              </a:rPr>
+              <a:t> </a:t>
+            </a:r>
+            <a:r>
+              <a:rPr lang="en-US" dirty="0"/>
+              <a:t>1242107235, echo(rand(10, 100)); </a:t>
+            </a:r>
+            <a:r>
+              <a:rPr lang="en-US" dirty="0">
+                <a:sym typeface="Wingdings" panose="05000000000000000000" pitchFamily="2" charset="2"/>
+              </a:rPr>
+              <a:t> 30</a:t>
+            </a:r>
+            <a:r>
+              <a:rPr lang="en-US" dirty="0"/>
+              <a:t> </a:t>
+            </a:r>
+          </a:p>
+          <a:p>
+            <a:pPr lvl="1">
+              <a:lnSpc>
+                <a:spcPct val="150000"/>
+              </a:lnSpc>
+            </a:pPr>
+            <a:r>
+              <a:rPr lang="en-US" dirty="0"/>
+              <a:t>echo(ceil(1.4));  </a:t>
+            </a:r>
+            <a:r>
+              <a:rPr lang="en-US" dirty="0">
+                <a:sym typeface="Wingdings" panose="05000000000000000000" pitchFamily="2" charset="2"/>
+              </a:rPr>
+              <a:t> 2 </a:t>
+            </a:r>
+          </a:p>
+          <a:p>
+            <a:pPr lvl="1">
+              <a:lnSpc>
+                <a:spcPct val="150000"/>
+              </a:lnSpc>
+            </a:pPr>
+            <a:r>
+              <a:rPr lang="en-US" dirty="0"/>
+              <a:t>echo(floor(1.6));  </a:t>
             </a:r>
             <a:r>
               <a:rPr lang="en-US" dirty="0">
@@ -8089,13 +8032,6 @@
   <p:clrMapOvr>
     <a:masterClrMapping/>
   </p:clrMapOvr>
-  <p:timing>
-    <p:tnLst>
-      <p:par>
-        <p:cTn id="1" dur="indefinite" restart="never" nodeType="tmRoot"/>
-      </p:par>
-    </p:tnLst>
-  </p:timing>
 </p:sld>
 </file>
 
@@ -8137,10 +8073,9 @@
           <a:lstStyle/>
           <a:p>
             <a:r>
-              <a:rPr lang="en-US" b="1" dirty="0" smtClean="0"/>
+              <a:rPr lang="en-US" b="1" dirty="0"/>
               <a:t>Operators in PHP</a:t>
             </a:r>
-            <a:endParaRPr lang="en-US" b="1" dirty="0"/>
           </a:p>
         </p:txBody>
       </p:sp>
@@ -8172,7 +8107,7 @@
               </a:lnSpc>
             </a:pPr>
             <a:r>
-              <a:rPr lang="en-US" dirty="0" smtClean="0"/>
+              <a:rPr lang="en-US" dirty="0"/>
               <a:t>Each programming language have operators which are used to manipulate variables or values</a:t>
             </a:r>
           </a:p>
@@ -8261,13 +8196,8 @@
             </a:pPr>
             <a:r>
               <a:rPr lang="en-US" dirty="0"/>
-              <a:t>Conditional assignment </a:t>
-            </a:r>
-            <a:r>
-              <a:rPr lang="en-US" dirty="0" smtClean="0"/>
-              <a:t>operators</a:t>
-            </a:r>
-            <a:endParaRPr lang="en-US" dirty="0"/>
+              <a:t>Conditional assignment operators</a:t>
+            </a:r>
           </a:p>
         </p:txBody>
       </p:sp>
@@ -8281,13 +8211,6 @@
   <p:clrMapOvr>
     <a:masterClrMapping/>
   </p:clrMapOvr>
-  <p:timing>
-    <p:tnLst>
-      <p:par>
-        <p:cTn id="1" dur="indefinite" restart="never" nodeType="tmRoot"/>
-      </p:par>
-    </p:tnLst>
-  </p:timing>
 </p:sld>
 </file>
 
@@ -8337,10 +8260,9 @@
               <a:t> </a:t>
             </a:r>
             <a:r>
-              <a:rPr lang="en-US" b="1" dirty="0" smtClean="0"/>
+              <a:rPr lang="en-US" b="1" dirty="0"/>
               <a:t>Operators in PHP</a:t>
             </a:r>
-            <a:endParaRPr lang="en-US" b="1" dirty="0"/>
           </a:p>
         </p:txBody>
       </p:sp>
@@ -8372,7 +8294,7 @@
               </a:lnSpc>
             </a:pPr>
             <a:r>
-              <a:rPr lang="en-US" dirty="0" smtClean="0"/>
+              <a:rPr lang="en-US" dirty="0"/>
               <a:t>Simple Mathematic operations</a:t>
             </a:r>
           </a:p>
@@ -8383,38 +8305,29 @@
               </a:lnSpc>
             </a:pPr>
             <a:r>
-              <a:rPr lang="en-US" dirty="0" smtClean="0"/>
+              <a:rPr lang="en-US" dirty="0"/>
               <a:t>Plus ( + ) 		</a:t>
             </a:r>
             <a:r>
-              <a:rPr lang="en-US" dirty="0" smtClean="0">
+              <a:rPr lang="en-US" dirty="0">
                 <a:sym typeface="Wingdings" panose="05000000000000000000" pitchFamily="2" charset="2"/>
               </a:rPr>
               <a:t></a:t>
             </a:r>
             <a:r>
-              <a:rPr lang="en-US" dirty="0" smtClean="0"/>
-              <a:t>   	$x </a:t>
-            </a:r>
-            <a:r>
-              <a:rPr lang="en-US" dirty="0"/>
-              <a:t>+ $</a:t>
-            </a:r>
-            <a:r>
-              <a:rPr lang="en-US" dirty="0" smtClean="0"/>
-              <a:t>y 	</a:t>
-            </a:r>
-            <a:r>
-              <a:rPr lang="en-US" dirty="0" smtClean="0">
+              <a:rPr lang="en-US" dirty="0"/>
+              <a:t>   	$x + $y 	</a:t>
+            </a:r>
+            <a:r>
+              <a:rPr lang="en-US" dirty="0">
                 <a:sym typeface="Wingdings" panose="05000000000000000000" pitchFamily="2" charset="2"/>
               </a:rPr>
               <a:t></a:t>
             </a:r>
             <a:r>
-              <a:rPr lang="en-US" dirty="0" smtClean="0"/>
+              <a:rPr lang="en-US" dirty="0"/>
               <a:t> 3 + 3 = 6</a:t>
             </a:r>
-            <a:endParaRPr lang="en-US" dirty="0"/>
           </a:p>
           <a:p>
             <a:pPr lvl="1">
@@ -8423,25 +8336,21 @@
               </a:lnSpc>
             </a:pPr>
             <a:r>
-              <a:rPr lang="en-US" dirty="0" smtClean="0"/>
+              <a:rPr lang="en-US" dirty="0"/>
               <a:t>Subtract ( - ) 	</a:t>
             </a:r>
             <a:r>
-              <a:rPr lang="en-US" dirty="0" smtClean="0">
+              <a:rPr lang="en-US" dirty="0">
                 <a:sym typeface="Wingdings" panose="05000000000000000000" pitchFamily="2" charset="2"/>
               </a:rPr>
               <a:t></a:t>
             </a:r>
             <a:r>
               <a:rPr lang="en-US" dirty="0"/>
-              <a:t>	$x - $</a:t>
-            </a:r>
-            <a:r>
-              <a:rPr lang="en-US" dirty="0" smtClean="0"/>
-              <a:t>y	</a:t>
-            </a:r>
-            <a:r>
-              <a:rPr lang="en-US" dirty="0" smtClean="0">
+              <a:t>	$x - $y	</a:t>
+            </a:r>
+            <a:r>
+              <a:rPr lang="en-US" dirty="0">
                 <a:sym typeface="Wingdings" panose="05000000000000000000" pitchFamily="2" charset="2"/>
               </a:rPr>
               <a:t> 3 – 3 = 6</a:t>
@@ -8455,29 +8364,21 @@
               </a:lnSpc>
             </a:pPr>
             <a:r>
-              <a:rPr lang="en-US" dirty="0" smtClean="0"/>
+              <a:rPr lang="en-US" dirty="0"/>
               <a:t>Multiply ( * )	</a:t>
             </a:r>
             <a:r>
-              <a:rPr lang="en-US" dirty="0" smtClean="0">
+              <a:rPr lang="en-US" dirty="0">
                 <a:sym typeface="Wingdings" panose="05000000000000000000" pitchFamily="2" charset="2"/>
               </a:rPr>
               <a:t>  	</a:t>
             </a:r>
             <a:r>
-              <a:rPr lang="en-US" dirty="0" smtClean="0"/>
-              <a:t>$</a:t>
-            </a:r>
-            <a:r>
-              <a:rPr lang="en-US" dirty="0"/>
-              <a:t>x * $</a:t>
-            </a:r>
-            <a:r>
-              <a:rPr lang="en-US" dirty="0" smtClean="0"/>
-              <a:t>y	</a:t>
-            </a:r>
-            <a:r>
-              <a:rPr lang="en-US" dirty="0" smtClean="0">
+              <a:rPr lang="en-US" dirty="0"/>
+              <a:t>$x * $y	</a:t>
+            </a:r>
+            <a:r>
+              <a:rPr lang="en-US" dirty="0">
                 <a:sym typeface="Wingdings" panose="05000000000000000000" pitchFamily="2" charset="2"/>
               </a:rPr>
               <a:t> 3 * 3 = 9</a:t>
@@ -8491,29 +8392,21 @@
               </a:lnSpc>
             </a:pPr>
             <a:r>
-              <a:rPr lang="en-US" dirty="0" smtClean="0"/>
+              <a:rPr lang="en-US" dirty="0"/>
               <a:t>Division ( / )   	</a:t>
             </a:r>
             <a:r>
-              <a:rPr lang="en-US" dirty="0" smtClean="0">
+              <a:rPr lang="en-US" dirty="0">
                 <a:sym typeface="Wingdings" panose="05000000000000000000" pitchFamily="2" charset="2"/>
               </a:rPr>
               <a:t> 	</a:t>
             </a:r>
             <a:r>
-              <a:rPr lang="en-US" dirty="0" smtClean="0"/>
-              <a:t>$</a:t>
-            </a:r>
-            <a:r>
-              <a:rPr lang="en-US" dirty="0"/>
-              <a:t>x / $</a:t>
-            </a:r>
-            <a:r>
-              <a:rPr lang="en-US" dirty="0" smtClean="0"/>
-              <a:t>y	</a:t>
-            </a:r>
-            <a:r>
-              <a:rPr lang="en-US" dirty="0" smtClean="0">
+              <a:rPr lang="en-US" dirty="0"/>
+              <a:t>$x / $y	</a:t>
+            </a:r>
+            <a:r>
+              <a:rPr lang="en-US" dirty="0">
                 <a:sym typeface="Wingdings" panose="05000000000000000000" pitchFamily="2" charset="2"/>
               </a:rPr>
               <a:t> 3 / 3 =  1</a:t>
@@ -8527,25 +8420,21 @@
               </a:lnSpc>
             </a:pPr>
             <a:r>
-              <a:rPr lang="en-US" dirty="0" smtClean="0"/>
+              <a:rPr lang="en-US" dirty="0"/>
               <a:t>Modulus ( % )	</a:t>
             </a:r>
             <a:r>
-              <a:rPr lang="en-US" dirty="0" smtClean="0">
+              <a:rPr lang="en-US" dirty="0">
                 <a:sym typeface="Wingdings" panose="05000000000000000000" pitchFamily="2" charset="2"/>
               </a:rPr>
               <a:t></a:t>
             </a:r>
             <a:r>
               <a:rPr lang="en-US" dirty="0"/>
-              <a:t>	$x % $</a:t>
-            </a:r>
-            <a:r>
-              <a:rPr lang="en-US" dirty="0" smtClean="0"/>
-              <a:t>y	</a:t>
-            </a:r>
-            <a:r>
-              <a:rPr lang="en-US" dirty="0" smtClean="0">
+              <a:t>	$x % $y	</a:t>
+            </a:r>
+            <a:r>
+              <a:rPr lang="en-US" dirty="0">
                 <a:sym typeface="Wingdings" panose="05000000000000000000" pitchFamily="2" charset="2"/>
               </a:rPr>
               <a:t> 3 % 3 = 0</a:t>
@@ -8559,44 +8448,24 @@
               </a:lnSpc>
             </a:pPr>
             <a:r>
-              <a:rPr lang="en-US" dirty="0" smtClean="0"/>
+              <a:rPr lang="en-US" dirty="0"/>
               <a:t>Exponent ( ** ) 	</a:t>
             </a:r>
             <a:r>
-              <a:rPr lang="en-US" dirty="0" smtClean="0">
+              <a:rPr lang="en-US" dirty="0">
                 <a:sym typeface="Wingdings" panose="05000000000000000000" pitchFamily="2" charset="2"/>
               </a:rPr>
               <a:t> 	</a:t>
             </a:r>
             <a:r>
-              <a:rPr lang="en-US" dirty="0" smtClean="0"/>
-              <a:t>$</a:t>
-            </a:r>
-            <a:r>
-              <a:rPr lang="en-US" dirty="0"/>
-              <a:t>x ** $</a:t>
-            </a:r>
-            <a:r>
-              <a:rPr lang="en-US" dirty="0" smtClean="0"/>
-              <a:t>y	</a:t>
-            </a:r>
-            <a:r>
-              <a:rPr lang="en-US" dirty="0" smtClean="0">
-                <a:sym typeface="Wingdings" panose="05000000000000000000" pitchFamily="2" charset="2"/>
-              </a:rPr>
-              <a:t> 3 ** 3 = 27</a:t>
+              <a:rPr lang="en-US" dirty="0"/>
+              <a:t>$x ** $y	</a:t>
             </a:r>
             <a:r>
               <a:rPr lang="en-US" dirty="0">
                 <a:sym typeface="Wingdings" panose="05000000000000000000" pitchFamily="2" charset="2"/>
               </a:rPr>
-              <a:t> </a:t>
-            </a:r>
-            <a:r>
-              <a:rPr lang="en-US" dirty="0" smtClean="0">
-                <a:sym typeface="Wingdings" panose="05000000000000000000" pitchFamily="2" charset="2"/>
-              </a:rPr>
-              <a:t>// (3 * 3 * 3)</a:t>
+              <a:t> 3 ** 3 = 27 // (3 * 3 * 3)</a:t>
             </a:r>
             <a:endParaRPr lang="en-US" dirty="0"/>
           </a:p>
@@ -8612,13 +8481,6 @@
   <p:clrMapOvr>
     <a:masterClrMapping/>
   </p:clrMapOvr>
-  <p:timing>
-    <p:tnLst>
-      <p:par>
-        <p:cTn id="1" dur="indefinite" restart="never" nodeType="tmRoot"/>
-      </p:par>
-    </p:tnLst>
-  </p:timing>
 </p:sld>
 </file>
 
@@ -8662,18 +8524,17 @@
           <a:lstStyle/>
           <a:p>
             <a:r>
-              <a:rPr lang="en-US" b="1" dirty="0" smtClean="0"/>
+              <a:rPr lang="en-US" b="1" dirty="0"/>
               <a:t>Assignment</a:t>
             </a:r>
             <a:r>
-              <a:rPr lang="en-US" dirty="0" smtClean="0"/>
+              <a:rPr lang="en-US" dirty="0"/>
               <a:t> </a:t>
             </a:r>
             <a:r>
-              <a:rPr lang="en-US" b="1" dirty="0" smtClean="0"/>
+              <a:rPr lang="en-US" b="1" dirty="0"/>
               <a:t>Operators in PHP</a:t>
             </a:r>
-            <a:endParaRPr lang="en-US" b="1" dirty="0"/>
           </a:p>
         </p:txBody>
       </p:sp>
@@ -8705,7 +8566,7 @@
               </a:lnSpc>
             </a:pPr>
             <a:r>
-              <a:rPr lang="en-US" dirty="0" smtClean="0"/>
+              <a:rPr lang="en-US" dirty="0"/>
               <a:t>On right side manipulate variables/values and assigned to left variable</a:t>
             </a:r>
           </a:p>
@@ -8716,38 +8577,29 @@
               </a:lnSpc>
             </a:pPr>
             <a:r>
-              <a:rPr lang="en-US" dirty="0" smtClean="0"/>
+              <a:rPr lang="en-US" dirty="0"/>
               <a:t>Plus ( + ) 		</a:t>
             </a:r>
             <a:r>
-              <a:rPr lang="en-US" dirty="0" smtClean="0">
+              <a:rPr lang="en-US" dirty="0">
                 <a:sym typeface="Wingdings" panose="05000000000000000000" pitchFamily="2" charset="2"/>
               </a:rPr>
               <a:t></a:t>
             </a:r>
             <a:r>
-              <a:rPr lang="en-US" dirty="0" smtClean="0"/>
-              <a:t>   	$z = $x </a:t>
-            </a:r>
-            <a:r>
-              <a:rPr lang="en-US" dirty="0"/>
-              <a:t>+ $</a:t>
-            </a:r>
-            <a:r>
-              <a:rPr lang="en-US" dirty="0" smtClean="0"/>
-              <a:t>y 		</a:t>
-            </a:r>
-            <a:r>
-              <a:rPr lang="en-US" dirty="0" smtClean="0">
+              <a:rPr lang="en-US" dirty="0"/>
+              <a:t>   	$z = $x + $y 		</a:t>
+            </a:r>
+            <a:r>
+              <a:rPr lang="en-US" dirty="0">
                 <a:sym typeface="Wingdings" panose="05000000000000000000" pitchFamily="2" charset="2"/>
               </a:rPr>
               <a:t></a:t>
             </a:r>
             <a:r>
-              <a:rPr lang="en-US" dirty="0" smtClean="0"/>
+              <a:rPr lang="en-US" dirty="0"/>
               <a:t> 3 + 3 = 6</a:t>
             </a:r>
-            <a:endParaRPr lang="en-US" dirty="0"/>
           </a:p>
           <a:p>
             <a:pPr lvl="1">
@@ -8756,33 +8608,21 @@
               </a:lnSpc>
             </a:pPr>
             <a:r>
-              <a:rPr lang="en-US" dirty="0" smtClean="0"/>
+              <a:rPr lang="en-US" dirty="0"/>
               <a:t>Subtract ( - ) 	</a:t>
             </a:r>
             <a:r>
-              <a:rPr lang="en-US" dirty="0" smtClean="0">
+              <a:rPr lang="en-US" dirty="0">
                 <a:sym typeface="Wingdings" panose="05000000000000000000" pitchFamily="2" charset="2"/>
               </a:rPr>
               <a:t></a:t>
             </a:r>
             <a:r>
               <a:rPr lang="en-US" dirty="0"/>
-              <a:t>	 $z = </a:t>
-            </a:r>
-            <a:r>
-              <a:rPr lang="en-US" dirty="0" smtClean="0"/>
-              <a:t>$</a:t>
-            </a:r>
-            <a:r>
-              <a:rPr lang="en-US" dirty="0"/>
-              <a:t>x - $</a:t>
-            </a:r>
-            <a:r>
-              <a:rPr lang="en-US" dirty="0" smtClean="0"/>
-              <a:t>y		</a:t>
-            </a:r>
-            <a:r>
-              <a:rPr lang="en-US" dirty="0" smtClean="0">
+              <a:t>	 $z = $x - $y		</a:t>
+            </a:r>
+            <a:r>
+              <a:rPr lang="en-US" dirty="0">
                 <a:sym typeface="Wingdings" panose="05000000000000000000" pitchFamily="2" charset="2"/>
               </a:rPr>
               <a:t> 3 – 3 = 6</a:t>
@@ -8796,33 +8636,21 @@
               </a:lnSpc>
             </a:pPr>
             <a:r>
-              <a:rPr lang="en-US" dirty="0" smtClean="0"/>
+              <a:rPr lang="en-US" dirty="0"/>
               <a:t>Multiply ( * )	</a:t>
             </a:r>
             <a:r>
-              <a:rPr lang="en-US" dirty="0" smtClean="0">
+              <a:rPr lang="en-US" dirty="0">
                 <a:sym typeface="Wingdings" panose="05000000000000000000" pitchFamily="2" charset="2"/>
               </a:rPr>
               <a:t>  	</a:t>
             </a:r>
             <a:r>
               <a:rPr lang="en-US" dirty="0"/>
-              <a:t> $z = </a:t>
-            </a:r>
-            <a:r>
-              <a:rPr lang="en-US" dirty="0" smtClean="0"/>
-              <a:t>$</a:t>
-            </a:r>
-            <a:r>
-              <a:rPr lang="en-US" dirty="0"/>
-              <a:t>x * $</a:t>
-            </a:r>
-            <a:r>
-              <a:rPr lang="en-US" dirty="0" smtClean="0"/>
-              <a:t>y		</a:t>
-            </a:r>
-            <a:r>
-              <a:rPr lang="en-US" dirty="0" smtClean="0">
+              <a:t> $z = $x * $y		</a:t>
+            </a:r>
+            <a:r>
+              <a:rPr lang="en-US" dirty="0">
                 <a:sym typeface="Wingdings" panose="05000000000000000000" pitchFamily="2" charset="2"/>
               </a:rPr>
               <a:t> 3 * 3 = 9</a:t>
@@ -8836,33 +8664,21 @@
               </a:lnSpc>
             </a:pPr>
             <a:r>
-              <a:rPr lang="en-US" dirty="0" smtClean="0"/>
+              <a:rPr lang="en-US" dirty="0"/>
               <a:t>Division ( / )   	</a:t>
             </a:r>
             <a:r>
-              <a:rPr lang="en-US" dirty="0" smtClean="0">
+              <a:rPr lang="en-US" dirty="0">
                 <a:sym typeface="Wingdings" panose="05000000000000000000" pitchFamily="2" charset="2"/>
               </a:rPr>
               <a:t> 	</a:t>
             </a:r>
             <a:r>
               <a:rPr lang="en-US" dirty="0"/>
-              <a:t> $z = </a:t>
-            </a:r>
-            <a:r>
-              <a:rPr lang="en-US" dirty="0" smtClean="0"/>
-              <a:t>$</a:t>
-            </a:r>
-            <a:r>
-              <a:rPr lang="en-US" dirty="0"/>
-              <a:t>x / $</a:t>
-            </a:r>
-            <a:r>
-              <a:rPr lang="en-US" dirty="0" smtClean="0"/>
-              <a:t>y		</a:t>
-            </a:r>
-            <a:r>
-              <a:rPr lang="en-US" dirty="0" smtClean="0">
+              <a:t> $z = $x / $y		</a:t>
+            </a:r>
+            <a:r>
+              <a:rPr lang="en-US" dirty="0">
                 <a:sym typeface="Wingdings" panose="05000000000000000000" pitchFamily="2" charset="2"/>
               </a:rPr>
               <a:t> 3 / 3 =  1</a:t>
@@ -8876,33 +8692,21 @@
               </a:lnSpc>
             </a:pPr>
             <a:r>
-              <a:rPr lang="en-US" dirty="0" smtClean="0"/>
+              <a:rPr lang="en-US" dirty="0"/>
               <a:t>Modulus ( % )	</a:t>
             </a:r>
             <a:r>
-              <a:rPr lang="en-US" dirty="0" smtClean="0">
+              <a:rPr lang="en-US" dirty="0">
                 <a:sym typeface="Wingdings" panose="05000000000000000000" pitchFamily="2" charset="2"/>
               </a:rPr>
               <a:t></a:t>
             </a:r>
             <a:r>
               <a:rPr lang="en-US" dirty="0"/>
-              <a:t>	 $z = </a:t>
-            </a:r>
-            <a:r>
-              <a:rPr lang="en-US" dirty="0" smtClean="0"/>
-              <a:t>$</a:t>
-            </a:r>
-            <a:r>
-              <a:rPr lang="en-US" dirty="0"/>
-              <a:t>x % $</a:t>
-            </a:r>
-            <a:r>
-              <a:rPr lang="en-US" dirty="0" smtClean="0"/>
-              <a:t>y		</a:t>
-            </a:r>
-            <a:r>
-              <a:rPr lang="en-US" dirty="0" smtClean="0">
+              <a:t>	 $z = $x % $y		</a:t>
+            </a:r>
+            <a:r>
+              <a:rPr lang="en-US" dirty="0">
                 <a:sym typeface="Wingdings" panose="05000000000000000000" pitchFamily="2" charset="2"/>
               </a:rPr>
               <a:t> 3 % 3 = 0</a:t>
@@ -8916,52 +8720,24 @@
               </a:lnSpc>
             </a:pPr>
             <a:r>
-              <a:rPr lang="en-US" dirty="0" smtClean="0"/>
+              <a:rPr lang="en-US" dirty="0"/>
               <a:t>Exponent ( ** ) 	</a:t>
             </a:r>
             <a:r>
-              <a:rPr lang="en-US" dirty="0" smtClean="0">
+              <a:rPr lang="en-US" dirty="0">
                 <a:sym typeface="Wingdings" panose="05000000000000000000" pitchFamily="2" charset="2"/>
               </a:rPr>
               <a:t> 	</a:t>
             </a:r>
             <a:r>
-              <a:rPr lang="en-US" dirty="0" smtClean="0"/>
-              <a:t>$</a:t>
-            </a:r>
-            <a:r>
-              <a:rPr lang="en-US" dirty="0"/>
-              <a:t>z = </a:t>
-            </a:r>
-            <a:r>
-              <a:rPr lang="en-US" dirty="0" smtClean="0"/>
-              <a:t>$</a:t>
-            </a:r>
-            <a:r>
-              <a:rPr lang="en-US" dirty="0"/>
-              <a:t>x ** $</a:t>
-            </a:r>
-            <a:r>
-              <a:rPr lang="en-US" dirty="0" smtClean="0"/>
-              <a:t>y		</a:t>
-            </a:r>
-            <a:r>
-              <a:rPr lang="en-US" dirty="0" smtClean="0">
-                <a:sym typeface="Wingdings" panose="05000000000000000000" pitchFamily="2" charset="2"/>
-              </a:rPr>
-              <a:t> 3 ** 3 = 27</a:t>
+              <a:rPr lang="en-US" dirty="0"/>
+              <a:t>$z = $x ** $y		</a:t>
             </a:r>
             <a:r>
               <a:rPr lang="en-US" dirty="0">
                 <a:sym typeface="Wingdings" panose="05000000000000000000" pitchFamily="2" charset="2"/>
               </a:rPr>
-              <a:t> </a:t>
-            </a:r>
-            <a:r>
-              <a:rPr lang="en-US" dirty="0" smtClean="0">
-                <a:sym typeface="Wingdings" panose="05000000000000000000" pitchFamily="2" charset="2"/>
-              </a:rPr>
-              <a:t>// (3 * 3 * 3)</a:t>
+              <a:t> 3 ** 3 = 27 // (3 * 3 * 3)</a:t>
             </a:r>
             <a:endParaRPr lang="en-US" dirty="0"/>
           </a:p>
@@ -8977,13 +8753,6 @@
   <p:clrMapOvr>
     <a:masterClrMapping/>
   </p:clrMapOvr>
-  <p:timing>
-    <p:tnLst>
-      <p:par>
-        <p:cTn id="1" dur="indefinite" restart="never" nodeType="tmRoot"/>
-      </p:par>
-    </p:tnLst>
-  </p:timing>
 </p:sld>
 </file>
 
@@ -9027,18 +8796,17 @@
           <a:lstStyle/>
           <a:p>
             <a:r>
-              <a:rPr lang="en-US" b="1" dirty="0" smtClean="0"/>
+              <a:rPr lang="en-US" b="1" dirty="0"/>
               <a:t>Comparison</a:t>
             </a:r>
             <a:r>
-              <a:rPr lang="en-US" dirty="0" smtClean="0"/>
+              <a:rPr lang="en-US" dirty="0"/>
               <a:t> </a:t>
             </a:r>
             <a:r>
-              <a:rPr lang="en-US" b="1" dirty="0" smtClean="0"/>
+              <a:rPr lang="en-US" b="1" dirty="0"/>
               <a:t>Operators in PHP</a:t>
             </a:r>
-            <a:endParaRPr lang="en-US" b="1" dirty="0"/>
           </a:p>
         </p:txBody>
       </p:sp>
@@ -9070,10 +8838,9 @@
               </a:lnSpc>
             </a:pPr>
             <a:r>
-              <a:rPr lang="en-US" dirty="0" smtClean="0"/>
+              <a:rPr lang="en-US" dirty="0"/>
               <a:t>Used to compare two or more values with each other</a:t>
             </a:r>
-            <a:endParaRPr lang="en-US" dirty="0" smtClean="0"/>
           </a:p>
           <a:p>
             <a:pPr lvl="1">
@@ -9082,19 +8849,11 @@
               </a:lnSpc>
             </a:pPr>
             <a:r>
-              <a:rPr lang="en-US" dirty="0" smtClean="0"/>
-              <a:t>Equal	( == )	$</a:t>
-            </a:r>
-            <a:r>
-              <a:rPr lang="en-US" dirty="0"/>
-              <a:t>x == $</a:t>
-            </a:r>
-            <a:r>
-              <a:rPr lang="en-US" dirty="0" smtClean="0"/>
-              <a:t>y 		</a:t>
-            </a:r>
-            <a:r>
-              <a:rPr lang="en-US" dirty="0" smtClean="0">
+              <a:rPr lang="en-US" dirty="0"/>
+              <a:t>Equal	( == )	$x == $y 		</a:t>
+            </a:r>
+            <a:r>
+              <a:rPr lang="en-US" dirty="0">
                 <a:sym typeface="Wingdings" panose="05000000000000000000" pitchFamily="2" charset="2"/>
               </a:rPr>
               <a:t> value of x is equal to value of y</a:t>
@@ -9108,27 +8867,15 @@
             </a:pPr>
             <a:r>
               <a:rPr lang="en-US" dirty="0"/>
-              <a:t>Identical </a:t>
-            </a:r>
-            <a:r>
-              <a:rPr lang="en-US" dirty="0" smtClean="0"/>
-              <a:t>( === )$</a:t>
-            </a:r>
-            <a:r>
-              <a:rPr lang="en-US" dirty="0"/>
-              <a:t>x === $</a:t>
-            </a:r>
-            <a:r>
-              <a:rPr lang="en-US" dirty="0" smtClean="0"/>
-              <a:t>y 	</a:t>
-            </a:r>
-            <a:r>
-              <a:rPr lang="en-US" dirty="0" smtClean="0">
+              <a:t>Identical ( === )$x === $y 	</a:t>
+            </a:r>
+            <a:r>
+              <a:rPr lang="en-US" dirty="0">
                 <a:sym typeface="Wingdings" panose="05000000000000000000" pitchFamily="2" charset="2"/>
               </a:rPr>
               <a:t> strict equal check</a:t>
             </a:r>
-            <a:endParaRPr lang="en-US" dirty="0" smtClean="0"/>
+            <a:endParaRPr lang="en-US" dirty="0"/>
           </a:p>
           <a:p>
             <a:pPr lvl="1">
@@ -9138,22 +8885,10 @@
             </a:pPr>
             <a:r>
               <a:rPr lang="en-US" dirty="0"/>
-              <a:t>Not </a:t>
-            </a:r>
-            <a:r>
-              <a:rPr lang="en-US" dirty="0" smtClean="0"/>
-              <a:t>equal ( != ) </a:t>
-            </a:r>
-            <a:r>
-              <a:rPr lang="en-US" dirty="0"/>
-              <a:t>	$x != $y	</a:t>
-            </a:r>
-            <a:r>
-              <a:rPr lang="en-US" dirty="0" smtClean="0"/>
-              <a:t>	</a:t>
-            </a:r>
-            <a:r>
-              <a:rPr lang="en-US" dirty="0" smtClean="0">
+              <a:t>Not equal ( != ) 	$x != $y		</a:t>
+            </a:r>
+            <a:r>
+              <a:rPr lang="en-US" dirty="0">
                 <a:sym typeface="Wingdings" panose="05000000000000000000" pitchFamily="2" charset="2"/>
               </a:rPr>
               <a:t> value of x is not equal to value of y</a:t>
@@ -9167,35 +8902,13 @@
             </a:pPr>
             <a:r>
               <a:rPr lang="en-US" dirty="0"/>
-              <a:t>Not equal ( </a:t>
-            </a:r>
-            <a:r>
-              <a:rPr lang="en-US" dirty="0" smtClean="0"/>
-              <a:t>&lt;&gt; </a:t>
-            </a:r>
-            <a:r>
-              <a:rPr lang="en-US" dirty="0"/>
-              <a:t>) </a:t>
-            </a:r>
-            <a:r>
-              <a:rPr lang="en-US" dirty="0" smtClean="0"/>
-              <a:t>$</a:t>
-            </a:r>
-            <a:r>
-              <a:rPr lang="en-US" dirty="0"/>
-              <a:t>x != $y		</a:t>
+              <a:t>Not equal ( &lt;&gt; ) $x != $y		</a:t>
             </a:r>
             <a:r>
               <a:rPr lang="en-US" dirty="0">
                 <a:sym typeface="Wingdings" panose="05000000000000000000" pitchFamily="2" charset="2"/>
               </a:rPr>
-              <a:t> value of x is not equal to value of </a:t>
-            </a:r>
-            <a:r>
-              <a:rPr lang="en-US" dirty="0" smtClean="0">
-                <a:sym typeface="Wingdings" panose="05000000000000000000" pitchFamily="2" charset="2"/>
-              </a:rPr>
-              <a:t>y</a:t>
+              <a:t> value of x is not equal to value of y</a:t>
             </a:r>
           </a:p>
           <a:p>
@@ -9206,29 +8919,13 @@
             </a:pPr>
             <a:r>
               <a:rPr lang="en-US" dirty="0"/>
-              <a:t>Not </a:t>
-            </a:r>
-            <a:r>
-              <a:rPr lang="en-US" dirty="0" smtClean="0"/>
-              <a:t>identical ( !== ) $x !== $y  </a:t>
-            </a:r>
-            <a:r>
-              <a:rPr lang="en-US" dirty="0" smtClean="0">
-                <a:sym typeface="Wingdings" panose="05000000000000000000" pitchFamily="2" charset="2"/>
-              </a:rPr>
-              <a:t> </a:t>
+              <a:t>Not identical ( !== ) $x !== $y  </a:t>
             </a:r>
             <a:r>
               <a:rPr lang="en-US" dirty="0">
                 <a:sym typeface="Wingdings" panose="05000000000000000000" pitchFamily="2" charset="2"/>
               </a:rPr>
-              <a:t>strict </a:t>
-            </a:r>
-            <a:r>
-              <a:rPr lang="en-US" dirty="0" smtClean="0">
-                <a:sym typeface="Wingdings" panose="05000000000000000000" pitchFamily="2" charset="2"/>
-              </a:rPr>
-              <a:t>not identical check</a:t>
+              <a:t> strict not identical check</a:t>
             </a:r>
           </a:p>
           <a:p>
@@ -9239,55 +8936,30 @@
             </a:pPr>
             <a:r>
               <a:rPr lang="en-US" dirty="0"/>
-              <a:t>Equal	( </a:t>
-            </a:r>
-            <a:r>
-              <a:rPr lang="en-US" dirty="0" smtClean="0"/>
-              <a:t>&gt; </a:t>
-            </a:r>
-            <a:r>
-              <a:rPr lang="en-US" dirty="0"/>
-              <a:t>)	</a:t>
-            </a:r>
-            <a:r>
-              <a:rPr lang="en-US" dirty="0" smtClean="0"/>
-              <a:t>	$</a:t>
-            </a:r>
-            <a:r>
-              <a:rPr lang="en-US" dirty="0"/>
-              <a:t>x </a:t>
-            </a:r>
-            <a:r>
-              <a:rPr lang="en-US" dirty="0" smtClean="0"/>
-              <a:t>&gt; </a:t>
-            </a:r>
-            <a:r>
-              <a:rPr lang="en-US" dirty="0"/>
-              <a:t>$y 		</a:t>
+              <a:t>Equal	( &gt; )		$x &gt; $y 		</a:t>
             </a:r>
             <a:r>
               <a:rPr lang="en-US" dirty="0">
                 <a:sym typeface="Wingdings" panose="05000000000000000000" pitchFamily="2" charset="2"/>
               </a:rPr>
-              <a:t> value of x is </a:t>
-            </a:r>
-            <a:r>
-              <a:rPr lang="en-US" dirty="0" smtClean="0">
-                <a:sym typeface="Wingdings" panose="05000000000000000000" pitchFamily="2" charset="2"/>
-              </a:rPr>
-              <a:t>greater than </a:t>
+              <a:t> value of x is greater than value of y</a:t>
+            </a:r>
+          </a:p>
+          <a:p>
+            <a:pPr lvl="1">
+              <a:lnSpc>
+                <a:spcPct val="150000"/>
+              </a:lnSpc>
+            </a:pPr>
+            <a:r>
+              <a:rPr lang="en-US" dirty="0"/>
+              <a:t>Equal	( &lt; )		$x &lt; $y 		</a:t>
             </a:r>
             <a:r>
               <a:rPr lang="en-US" dirty="0">
                 <a:sym typeface="Wingdings" panose="05000000000000000000" pitchFamily="2" charset="2"/>
               </a:rPr>
-              <a:t>value of </a:t>
-            </a:r>
-            <a:r>
-              <a:rPr lang="en-US" dirty="0" smtClean="0">
-                <a:sym typeface="Wingdings" panose="05000000000000000000" pitchFamily="2" charset="2"/>
-              </a:rPr>
-              <a:t>y</a:t>
+              <a:t> value of x is less than value of y</a:t>
             </a:r>
           </a:p>
           <a:p>
@@ -9298,148 +8970,30 @@
             </a:pPr>
             <a:r>
               <a:rPr lang="en-US" dirty="0"/>
-              <a:t>Equal	( </a:t>
-            </a:r>
-            <a:r>
-              <a:rPr lang="en-US" dirty="0" smtClean="0"/>
-              <a:t>&lt; </a:t>
-            </a:r>
-            <a:r>
-              <a:rPr lang="en-US" dirty="0"/>
-              <a:t>)	</a:t>
-            </a:r>
-            <a:r>
-              <a:rPr lang="en-US" dirty="0" smtClean="0"/>
-              <a:t>	$</a:t>
-            </a:r>
-            <a:r>
-              <a:rPr lang="en-US" dirty="0"/>
-              <a:t>x </a:t>
-            </a:r>
-            <a:r>
-              <a:rPr lang="en-US" dirty="0" smtClean="0"/>
-              <a:t>&lt; </a:t>
-            </a:r>
-            <a:r>
-              <a:rPr lang="en-US" dirty="0"/>
-              <a:t>$y 		</a:t>
+              <a:t>Equal	( &gt;= )	$x &gt;= $y 		</a:t>
             </a:r>
             <a:r>
               <a:rPr lang="en-US" dirty="0">
                 <a:sym typeface="Wingdings" panose="05000000000000000000" pitchFamily="2" charset="2"/>
               </a:rPr>
-              <a:t> value of x is </a:t>
-            </a:r>
-            <a:r>
-              <a:rPr lang="en-US" dirty="0" smtClean="0">
-                <a:sym typeface="Wingdings" panose="05000000000000000000" pitchFamily="2" charset="2"/>
-              </a:rPr>
-              <a:t>less than value </a:t>
+              <a:t> value of x is greater than equal value of y</a:t>
+            </a:r>
+          </a:p>
+          <a:p>
+            <a:pPr lvl="1">
+              <a:lnSpc>
+                <a:spcPct val="150000"/>
+              </a:lnSpc>
+            </a:pPr>
+            <a:r>
+              <a:rPr lang="en-US" dirty="0"/>
+              <a:t>Equal	( &lt;= )	$x &lt;= $y 		</a:t>
             </a:r>
             <a:r>
               <a:rPr lang="en-US" dirty="0">
                 <a:sym typeface="Wingdings" panose="05000000000000000000" pitchFamily="2" charset="2"/>
               </a:rPr>
-              <a:t>of </a:t>
-            </a:r>
-            <a:r>
-              <a:rPr lang="en-US" dirty="0" smtClean="0">
-                <a:sym typeface="Wingdings" panose="05000000000000000000" pitchFamily="2" charset="2"/>
-              </a:rPr>
-              <a:t>y</a:t>
-            </a:r>
-          </a:p>
-          <a:p>
-            <a:pPr lvl="1">
-              <a:lnSpc>
-                <a:spcPct val="150000"/>
-              </a:lnSpc>
-            </a:pPr>
-            <a:r>
-              <a:rPr lang="en-US" dirty="0"/>
-              <a:t>Equal	( </a:t>
-            </a:r>
-            <a:r>
-              <a:rPr lang="en-US" dirty="0" smtClean="0"/>
-              <a:t>&gt;= </a:t>
-            </a:r>
-            <a:r>
-              <a:rPr lang="en-US" dirty="0"/>
-              <a:t>)	$x </a:t>
-            </a:r>
-            <a:r>
-              <a:rPr lang="en-US" dirty="0" smtClean="0"/>
-              <a:t>&gt;= </a:t>
-            </a:r>
-            <a:r>
-              <a:rPr lang="en-US" dirty="0"/>
-              <a:t>$y 		</a:t>
-            </a:r>
-            <a:r>
-              <a:rPr lang="en-US" dirty="0">
-                <a:sym typeface="Wingdings" panose="05000000000000000000" pitchFamily="2" charset="2"/>
-              </a:rPr>
-              <a:t> value of x is greater </a:t>
-            </a:r>
-            <a:r>
-              <a:rPr lang="en-US" dirty="0" smtClean="0">
-                <a:sym typeface="Wingdings" panose="05000000000000000000" pitchFamily="2" charset="2"/>
-              </a:rPr>
-              <a:t>than equal </a:t>
-            </a:r>
-            <a:r>
-              <a:rPr lang="en-US" dirty="0">
-                <a:sym typeface="Wingdings" panose="05000000000000000000" pitchFamily="2" charset="2"/>
-              </a:rPr>
-              <a:t>value of y</a:t>
-            </a:r>
-            <a:endParaRPr lang="en-US" dirty="0" smtClean="0">
-              <a:sym typeface="Wingdings" panose="05000000000000000000" pitchFamily="2" charset="2"/>
-            </a:endParaRPr>
-          </a:p>
-          <a:p>
-            <a:pPr lvl="1">
-              <a:lnSpc>
-                <a:spcPct val="150000"/>
-              </a:lnSpc>
-            </a:pPr>
-            <a:r>
-              <a:rPr lang="en-US" dirty="0"/>
-              <a:t>Equal	( </a:t>
-            </a:r>
-            <a:r>
-              <a:rPr lang="en-US" dirty="0" smtClean="0"/>
-              <a:t>&lt;= </a:t>
-            </a:r>
-            <a:r>
-              <a:rPr lang="en-US" dirty="0"/>
-              <a:t>)	$x </a:t>
-            </a:r>
-            <a:r>
-              <a:rPr lang="en-US" dirty="0" smtClean="0"/>
-              <a:t>&lt;= </a:t>
-            </a:r>
-            <a:r>
-              <a:rPr lang="en-US" dirty="0"/>
-              <a:t>$y 		</a:t>
-            </a:r>
-            <a:r>
-              <a:rPr lang="en-US" dirty="0">
-                <a:sym typeface="Wingdings" panose="05000000000000000000" pitchFamily="2" charset="2"/>
-              </a:rPr>
-              <a:t> value of x is </a:t>
-            </a:r>
-            <a:r>
-              <a:rPr lang="en-US" dirty="0" smtClean="0">
-                <a:sym typeface="Wingdings" panose="05000000000000000000" pitchFamily="2" charset="2"/>
-              </a:rPr>
-              <a:t>less than equal </a:t>
-            </a:r>
-            <a:r>
-              <a:rPr lang="en-US" dirty="0">
-                <a:sym typeface="Wingdings" panose="05000000000000000000" pitchFamily="2" charset="2"/>
-              </a:rPr>
-              <a:t>to value of y</a:t>
+              <a:t> value of x is less than equal to value of y</a:t>
             </a:r>
             <a:endParaRPr lang="en-US" dirty="0"/>
           </a:p>
@@ -9455,13 +9009,6 @@
   <p:clrMapOvr>
     <a:masterClrMapping/>
   </p:clrMapOvr>
-  <p:timing>
-    <p:tnLst>
-      <p:par>
-        <p:cTn id="1" dur="indefinite" restart="never" nodeType="tmRoot"/>
-      </p:par>
-    </p:tnLst>
-  </p:timing>
 </p:sld>
 </file>
 
@@ -9506,21 +9053,16 @@
           <a:p>
             <a:r>
               <a:rPr lang="en-US" b="1" dirty="0"/>
-              <a:t>Increment / </a:t>
-            </a:r>
-            <a:r>
-              <a:rPr lang="en-US" b="1" dirty="0" smtClean="0"/>
-              <a:t>Decrement</a:t>
-            </a:r>
-            <a:r>
-              <a:rPr lang="en-US" dirty="0" smtClean="0"/>
+              <a:t>Increment / Decrement</a:t>
+            </a:r>
+            <a:r>
+              <a:rPr lang="en-US" dirty="0"/>
               <a:t> </a:t>
             </a:r>
             <a:r>
-              <a:rPr lang="en-US" b="1" dirty="0" smtClean="0"/>
+              <a:rPr lang="en-US" b="1" dirty="0"/>
               <a:t>Operators in PHP</a:t>
             </a:r>
-            <a:endParaRPr lang="en-US" b="1" dirty="0"/>
           </a:p>
         </p:txBody>
       </p:sp>
@@ -9552,7 +9094,7 @@
               </a:lnSpc>
             </a:pPr>
             <a:r>
-              <a:rPr lang="en-US" dirty="0" smtClean="0"/>
+              <a:rPr lang="en-US" dirty="0"/>
               <a:t>Used to add or decrease value by 1</a:t>
             </a:r>
           </a:p>
@@ -9563,10 +9105,9 @@
               </a:lnSpc>
             </a:pPr>
             <a:r>
-              <a:rPr lang="en-US" dirty="0" smtClean="0"/>
+              <a:rPr lang="en-US" dirty="0"/>
               <a:t>Lets assume $x = 1, $y = 1;</a:t>
             </a:r>
-            <a:endParaRPr lang="en-US" dirty="0" smtClean="0"/>
           </a:p>
           <a:p>
             <a:pPr lvl="1">
@@ -9576,25 +9117,17 @@
             </a:pPr>
             <a:r>
               <a:rPr lang="en-US" dirty="0"/>
-              <a:t>++$x	</a:t>
-            </a:r>
-            <a:r>
-              <a:rPr lang="en-US" dirty="0" smtClean="0"/>
-              <a:t>Pre-increment	</a:t>
-            </a:r>
-            <a:r>
-              <a:rPr lang="en-US" dirty="0" smtClean="0">
+              <a:t>++$x	Pre-increment	</a:t>
+            </a:r>
+            <a:r>
+              <a:rPr lang="en-US" dirty="0">
                 <a:sym typeface="Wingdings" panose="05000000000000000000" pitchFamily="2" charset="2"/>
               </a:rPr>
               <a:t></a:t>
             </a:r>
             <a:r>
               <a:rPr lang="en-US" dirty="0"/>
-              <a:t>	First add then </a:t>
-            </a:r>
-            <a:r>
-              <a:rPr lang="en-US" dirty="0" smtClean="0"/>
-              <a:t>print 	Output = 2</a:t>
+              <a:t>	First add then print 	Output = 2</a:t>
             </a:r>
           </a:p>
           <a:p>
@@ -9605,25 +9138,17 @@
             </a:pPr>
             <a:r>
               <a:rPr lang="en-US" dirty="0"/>
-              <a:t>$x++	</a:t>
-            </a:r>
-            <a:r>
-              <a:rPr lang="en-US" dirty="0" smtClean="0"/>
-              <a:t>Post-increment	</a:t>
-            </a:r>
-            <a:r>
-              <a:rPr lang="en-US" dirty="0" smtClean="0">
+              <a:t>$x++	Post-increment	</a:t>
+            </a:r>
+            <a:r>
+              <a:rPr lang="en-US" dirty="0">
                 <a:sym typeface="Wingdings" panose="05000000000000000000" pitchFamily="2" charset="2"/>
               </a:rPr>
               <a:t></a:t>
             </a:r>
             <a:r>
               <a:rPr lang="en-US" dirty="0"/>
-              <a:t>	First print then </a:t>
-            </a:r>
-            <a:r>
-              <a:rPr lang="en-US" dirty="0" smtClean="0"/>
-              <a:t>add		Output = 1</a:t>
+              <a:t>	First print then add		Output = 1</a:t>
             </a:r>
           </a:p>
           <a:p>
@@ -9633,30 +9158,18 @@
               </a:lnSpc>
             </a:pPr>
             <a:r>
-              <a:rPr lang="en-US" dirty="0" smtClean="0"/>
-              <a:t>--$y</a:t>
-            </a:r>
-            <a:r>
-              <a:rPr lang="en-US" dirty="0"/>
-              <a:t>	</a:t>
-            </a:r>
-            <a:r>
-              <a:rPr lang="en-US" dirty="0" smtClean="0"/>
-              <a:t>Pre-decrement	</a:t>
-            </a:r>
-            <a:r>
-              <a:rPr lang="en-US" dirty="0" smtClean="0">
+              <a:rPr lang="en-US" dirty="0"/>
+              <a:t>--$y	Pre-decrement	</a:t>
+            </a:r>
+            <a:r>
+              <a:rPr lang="en-US" dirty="0">
                 <a:sym typeface="Wingdings" panose="05000000000000000000" pitchFamily="2" charset="2"/>
               </a:rPr>
               <a:t></a:t>
             </a:r>
             <a:r>
               <a:rPr lang="en-US" dirty="0"/>
-              <a:t>	First decrease then </a:t>
-            </a:r>
-            <a:r>
-              <a:rPr lang="en-US" dirty="0" smtClean="0"/>
-              <a:t>print 	Output = 0</a:t>
+              <a:t>	First decrease then print 	Output = 0</a:t>
             </a:r>
           </a:p>
           <a:p>
@@ -9666,32 +9179,19 @@
               </a:lnSpc>
             </a:pPr>
             <a:r>
-              <a:rPr lang="en-US" dirty="0" smtClean="0"/>
-              <a:t>$y--</a:t>
-            </a:r>
-            <a:r>
-              <a:rPr lang="en-US" dirty="0"/>
-              <a:t>	</a:t>
-            </a:r>
-            <a:r>
-              <a:rPr lang="en-US" dirty="0" smtClean="0"/>
-              <a:t>Post-decrement	</a:t>
-            </a:r>
-            <a:r>
-              <a:rPr lang="en-US" dirty="0" smtClean="0">
+              <a:rPr lang="en-US" dirty="0"/>
+              <a:t>$y--	Post-decrement	</a:t>
+            </a:r>
+            <a:r>
+              <a:rPr lang="en-US" dirty="0">
                 <a:sym typeface="Wingdings" panose="05000000000000000000" pitchFamily="2" charset="2"/>
               </a:rPr>
               <a:t></a:t>
             </a:r>
             <a:r>
               <a:rPr lang="en-US" dirty="0"/>
-              <a:t>	First print then </a:t>
-            </a:r>
-            <a:r>
-              <a:rPr lang="en-US" dirty="0" smtClean="0"/>
-              <a:t>decrease	Output = 1</a:t>
-            </a:r>
-            <a:endParaRPr lang="en-US" dirty="0" smtClean="0"/>
+              <a:t>	First print then decrease	Output = 1</a:t>
+            </a:r>
           </a:p>
         </p:txBody>
       </p:sp>
@@ -9705,13 +9205,6 @@
   <p:clrMapOvr>
     <a:masterClrMapping/>
   </p:clrMapOvr>
-  <p:timing>
-    <p:tnLst>
-      <p:par>
-        <p:cTn id="1" dur="indefinite" restart="never" nodeType="tmRoot"/>
-      </p:par>
-    </p:tnLst>
-  </p:timing>
 </p:sld>
 </file>
 
@@ -9755,18 +9248,17 @@
           <a:lstStyle/>
           <a:p>
             <a:r>
-              <a:rPr lang="en-US" b="1" dirty="0" smtClean="0"/>
+              <a:rPr lang="en-US" b="1" dirty="0"/>
               <a:t>Logical</a:t>
             </a:r>
             <a:r>
-              <a:rPr lang="en-US" dirty="0" smtClean="0"/>
+              <a:rPr lang="en-US" dirty="0"/>
               <a:t> </a:t>
             </a:r>
             <a:r>
-              <a:rPr lang="en-US" b="1" dirty="0" smtClean="0"/>
+              <a:rPr lang="en-US" b="1" dirty="0"/>
               <a:t>Operators in PHP</a:t>
             </a:r>
-            <a:endParaRPr lang="en-US" b="1" dirty="0"/>
           </a:p>
         </p:txBody>
       </p:sp>
@@ -9798,12 +9290,8 @@
               </a:lnSpc>
             </a:pPr>
             <a:r>
-              <a:rPr lang="en-US" dirty="0" smtClean="0"/>
-              <a:t>Used to compare two </a:t>
-            </a:r>
-            <a:r>
-              <a:rPr lang="en-US" dirty="0" smtClean="0"/>
-              <a:t>or more expressions at time same time</a:t>
+              <a:rPr lang="en-US" dirty="0"/>
+              <a:t>Used to compare two or more expressions at time same time</a:t>
             </a:r>
           </a:p>
           <a:p>
@@ -9813,20 +9301,8 @@
               </a:lnSpc>
             </a:pPr>
             <a:r>
-              <a:rPr lang="en-US" dirty="0" smtClean="0"/>
-              <a:t>&amp;&amp;	And</a:t>
-            </a:r>
-            <a:r>
-              <a:rPr lang="en-US" dirty="0"/>
-              <a:t>	</a:t>
-            </a:r>
-            <a:r>
-              <a:rPr lang="en-US" dirty="0" smtClean="0"/>
-              <a:t>	$</a:t>
-            </a:r>
-            <a:r>
-              <a:rPr lang="en-US" dirty="0"/>
-              <a:t>x and $y	Return true if all are true</a:t>
+              <a:rPr lang="en-US" dirty="0"/>
+              <a:t>&amp;&amp;	And		$x and $y	Return true if all are true</a:t>
             </a:r>
           </a:p>
           <a:p>
@@ -9837,23 +9313,7 @@
             </a:pPr>
             <a:r>
               <a:rPr lang="en-US" dirty="0"/>
-              <a:t>||	Or	</a:t>
-            </a:r>
-            <a:r>
-              <a:rPr lang="en-US" dirty="0" smtClean="0"/>
-              <a:t>	$</a:t>
-            </a:r>
-            <a:r>
-              <a:rPr lang="en-US" dirty="0"/>
-              <a:t>x or $y	</a:t>
-            </a:r>
-            <a:r>
-              <a:rPr lang="en-US" dirty="0" smtClean="0"/>
-              <a:t>	Return </a:t>
-            </a:r>
-            <a:r>
-              <a:rPr lang="en-US" dirty="0"/>
-              <a:t>true if only one is true</a:t>
+              <a:t>||	Or		$x or $y		Return true if only one is true</a:t>
             </a:r>
           </a:p>
           <a:p>
@@ -9864,25 +9324,8 @@
             </a:pPr>
             <a:r>
               <a:rPr lang="en-US" dirty="0"/>
-              <a:t>!	</a:t>
-            </a:r>
-            <a:r>
-              <a:rPr lang="en-US" dirty="0" smtClean="0"/>
-              <a:t>	Not</a:t>
-            </a:r>
-            <a:r>
-              <a:rPr lang="en-US" dirty="0"/>
-              <a:t>	</a:t>
-            </a:r>
-            <a:r>
-              <a:rPr lang="en-US" dirty="0" smtClean="0"/>
-              <a:t>	!$</a:t>
-            </a:r>
-            <a:r>
-              <a:rPr lang="en-US" dirty="0"/>
-              <a:t>x			Reverse the flag</a:t>
-            </a:r>
-            <a:endParaRPr lang="en-US" dirty="0" smtClean="0"/>
+              <a:t>!		Not		!$x			Reverse the flag</a:t>
+            </a:r>
           </a:p>
         </p:txBody>
       </p:sp>
@@ -9896,13 +9339,6 @@
   <p:clrMapOvr>
     <a:masterClrMapping/>
   </p:clrMapOvr>
-  <p:timing>
-    <p:tnLst>
-      <p:par>
-        <p:cTn id="1" dur="indefinite" restart="never" nodeType="tmRoot"/>
-      </p:par>
-    </p:tnLst>
-  </p:timing>
 </p:sld>
 </file>
 
@@ -9946,18 +9382,9 @@
           <a:lstStyle/>
           <a:p>
             <a:r>
-              <a:rPr lang="en-US" b="1" dirty="0" smtClean="0"/>
-              <a:t>Conditional Statements</a:t>
-            </a:r>
-            <a:r>
-              <a:rPr lang="en-US" b="1" dirty="0" smtClean="0"/>
-              <a:t> </a:t>
-            </a:r>
-            <a:r>
-              <a:rPr lang="en-US" b="1" dirty="0" smtClean="0"/>
-              <a:t>in PHP</a:t>
-            </a:r>
-            <a:endParaRPr lang="en-US" b="1" dirty="0"/>
+              <a:rPr lang="en-US" b="1" dirty="0"/>
+              <a:t>Conditional Statements in PHP</a:t>
+            </a:r>
           </a:p>
         </p:txBody>
       </p:sp>
@@ -10005,7 +9432,7 @@
               <a:buNone/>
             </a:pPr>
             <a:r>
-              <a:rPr lang="en-US" sz="1400" dirty="0" smtClean="0"/>
+              <a:rPr lang="en-US" sz="1400" dirty="0"/>
               <a:t>}</a:t>
             </a:r>
           </a:p>
@@ -10014,7 +9441,7 @@
               <a:buNone/>
             </a:pPr>
             <a:r>
-              <a:rPr lang="en-US" sz="1400" dirty="0" smtClean="0"/>
+              <a:rPr lang="en-US" sz="1400" dirty="0"/>
               <a:t>-----------------</a:t>
             </a:r>
           </a:p>
@@ -10059,7 +9486,7 @@
               <a:buNone/>
             </a:pPr>
             <a:r>
-              <a:rPr lang="en-US" sz="1400" dirty="0" smtClean="0"/>
+              <a:rPr lang="en-US" sz="1400" dirty="0"/>
               <a:t>}</a:t>
             </a:r>
           </a:p>
@@ -10068,7 +9495,7 @@
               <a:buNone/>
             </a:pPr>
             <a:r>
-              <a:rPr lang="en-US" sz="1400" dirty="0" smtClean="0"/>
+              <a:rPr lang="en-US" sz="1400" dirty="0"/>
               <a:t>------------------</a:t>
             </a:r>
           </a:p>
@@ -10142,7 +9569,6 @@
               <a:rPr lang="en-US" sz="1400" dirty="0"/>
               <a:t>}</a:t>
             </a:r>
-            <a:endParaRPr lang="en-US" sz="1400" dirty="0" smtClean="0"/>
           </a:p>
         </p:txBody>
       </p:sp>
@@ -10156,13 +9582,6 @@
   <p:clrMapOvr>
     <a:masterClrMapping/>
   </p:clrMapOvr>
-  <p:timing>
-    <p:tnLst>
-      <p:par>
-        <p:cTn id="1" dur="indefinite" restart="never" nodeType="tmRoot"/>
-      </p:par>
-    </p:tnLst>
-  </p:timing>
 </p:sld>
 </file>
 
@@ -10206,18 +9625,9 @@
           <a:lstStyle/>
           <a:p>
             <a:r>
-              <a:rPr lang="en-US" b="1" dirty="0" smtClean="0"/>
-              <a:t>Switch Statements</a:t>
-            </a:r>
-            <a:r>
-              <a:rPr lang="en-US" b="1" dirty="0" smtClean="0"/>
-              <a:t> </a:t>
-            </a:r>
-            <a:r>
-              <a:rPr lang="en-US" b="1" dirty="0" smtClean="0"/>
-              <a:t>in PHP</a:t>
-            </a:r>
-            <a:endParaRPr lang="en-US" b="1" dirty="0"/>
+              <a:rPr lang="en-US" b="1" dirty="0"/>
+              <a:t>Switch Statements in PHP</a:t>
+            </a:r>
           </a:p>
         </p:txBody>
       </p:sp>
@@ -10376,7 +9786,6 @@
               <a:rPr lang="en-US" sz="1600" dirty="0"/>
               <a:t>}</a:t>
             </a:r>
-            <a:endParaRPr lang="en-US" sz="1600" dirty="0" smtClean="0"/>
           </a:p>
         </p:txBody>
       </p:sp>
@@ -10390,13 +9799,6 @@
   <p:clrMapOvr>
     <a:masterClrMapping/>
   </p:clrMapOvr>
-  <p:timing>
-    <p:tnLst>
-      <p:par>
-        <p:cTn id="1" dur="indefinite" restart="never" nodeType="tmRoot"/>
-      </p:par>
-    </p:tnLst>
-  </p:timing>
 </p:sld>
 </file>
 
@@ -10440,18 +9842,9 @@
           <a:lstStyle/>
           <a:p>
             <a:r>
-              <a:rPr lang="en-US" b="1" dirty="0" smtClean="0"/>
-              <a:t>Loops</a:t>
-            </a:r>
-            <a:r>
-              <a:rPr lang="en-US" b="1" dirty="0" smtClean="0"/>
-              <a:t> </a:t>
-            </a:r>
-            <a:r>
-              <a:rPr lang="en-US" b="1" dirty="0" smtClean="0"/>
-              <a:t>in PHP</a:t>
-            </a:r>
-            <a:endParaRPr lang="en-US" b="1" dirty="0"/>
+              <a:rPr lang="en-US" b="1" dirty="0"/>
+              <a:t>Loops in PHP</a:t>
+            </a:r>
           </a:p>
         </p:txBody>
       </p:sp>
@@ -10484,27 +9877,40 @@
             </a:pPr>
             <a:r>
               <a:rPr lang="en-US" sz="1600" dirty="0"/>
-              <a:t>Break and Continue </a:t>
-            </a:r>
-            <a:r>
-              <a:rPr lang="en-US" sz="1600" dirty="0" smtClean="0"/>
-              <a:t>statements </a:t>
-            </a:r>
+              <a:t>Break and Continue statements usage in loops</a:t>
+            </a:r>
+          </a:p>
+          <a:p>
+            <a:pPr>
+              <a:lnSpc>
+                <a:spcPct val="150000"/>
+              </a:lnSpc>
+            </a:pPr>
             <a:r>
               <a:rPr lang="en-US" sz="1600" dirty="0"/>
-              <a:t>usage in loops</a:t>
-            </a:r>
-            <a:endParaRPr lang="en-US" sz="1600" dirty="0" smtClean="0"/>
-          </a:p>
-          <a:p>
-            <a:pPr>
+              <a:t>Loops are used to iterate items/objects</a:t>
+            </a:r>
+          </a:p>
+          <a:p>
+            <a:pPr lvl="1">
               <a:lnSpc>
                 <a:spcPct val="150000"/>
               </a:lnSpc>
             </a:pPr>
             <a:r>
-              <a:rPr lang="en-US" sz="1600" dirty="0" smtClean="0"/>
-              <a:t>Loops are used to iterate items/objects</a:t>
+              <a:rPr lang="en-US" dirty="0"/>
+              <a:t>While</a:t>
+            </a:r>
+          </a:p>
+          <a:p>
+            <a:pPr lvl="2">
+              <a:lnSpc>
+                <a:spcPct val="150000"/>
+              </a:lnSpc>
+            </a:pPr>
+            <a:r>
+              <a:rPr lang="en-US" sz="1600" dirty="0"/>
+              <a:t>While(condition) { execution block }</a:t>
             </a:r>
           </a:p>
           <a:p>
@@ -10514,8 +9920,8 @@
               </a:lnSpc>
             </a:pPr>
             <a:r>
-              <a:rPr lang="en-US" dirty="0" smtClean="0"/>
-              <a:t>While</a:t>
+              <a:rPr lang="en-US" dirty="0"/>
+              <a:t>Do while </a:t>
             </a:r>
           </a:p>
           <a:p>
@@ -10525,8 +9931,8 @@
               </a:lnSpc>
             </a:pPr>
             <a:r>
-              <a:rPr lang="en-US" sz="1600" dirty="0" smtClean="0"/>
-              <a:t>While(condition) { execution block }</a:t>
+              <a:rPr lang="en-US" sz="1600" dirty="0"/>
+              <a:t>Do  { execution block } white ( condition );</a:t>
             </a:r>
           </a:p>
           <a:p>
@@ -10536,8 +9942,8 @@
               </a:lnSpc>
             </a:pPr>
             <a:r>
-              <a:rPr lang="en-US" dirty="0" smtClean="0"/>
-              <a:t>Do while </a:t>
+              <a:rPr lang="en-US" dirty="0"/>
+              <a:t>For </a:t>
             </a:r>
           </a:p>
           <a:p>
@@ -10547,16 +9953,8 @@
               </a:lnSpc>
             </a:pPr>
             <a:r>
-              <a:rPr lang="en-US" sz="1600" dirty="0" smtClean="0"/>
-              <a:t>Do </a:t>
-            </a:r>
-            <a:r>
               <a:rPr lang="en-US" sz="1600" dirty="0"/>
-              <a:t> { execution block }</a:t>
-            </a:r>
-            <a:r>
-              <a:rPr lang="en-US" sz="1600" dirty="0" smtClean="0"/>
-              <a:t> white ( condition );</a:t>
+              <a:t>For(start; limit; iterate) { execution block }</a:t>
             </a:r>
           </a:p>
           <a:p>
@@ -10566,8 +9964,8 @@
               </a:lnSpc>
             </a:pPr>
             <a:r>
-              <a:rPr lang="en-US" dirty="0" smtClean="0"/>
-              <a:t>For </a:t>
+              <a:rPr lang="en-US" dirty="0"/>
+              <a:t>For each</a:t>
             </a:r>
           </a:p>
           <a:p>
@@ -10577,61 +9975,26 @@
               </a:lnSpc>
             </a:pPr>
             <a:r>
-              <a:rPr lang="en-US" sz="1600" dirty="0" smtClean="0"/>
-              <a:t>For(start; limit; iterate) </a:t>
+              <a:rPr lang="en-US" sz="1600" dirty="0" err="1"/>
+              <a:t>Foreach</a:t>
             </a:r>
             <a:r>
               <a:rPr lang="en-US" sz="1600" dirty="0"/>
-              <a:t>{ execution block }</a:t>
-            </a:r>
-            <a:endParaRPr lang="en-US" sz="1600" dirty="0" smtClean="0"/>
-          </a:p>
-          <a:p>
-            <a:pPr lvl="1">
+              <a:t>(iterate items) { execution block }</a:t>
+            </a:r>
+          </a:p>
+          <a:p>
+            <a:pPr marL="914400" lvl="2" indent="0">
               <a:lnSpc>
                 <a:spcPct val="150000"/>
               </a:lnSpc>
-            </a:pPr>
-            <a:r>
-              <a:rPr lang="en-US" dirty="0" smtClean="0"/>
-              <a:t>For each</a:t>
-            </a:r>
-          </a:p>
-          <a:p>
-            <a:pPr lvl="2">
-              <a:lnSpc>
-                <a:spcPct val="150000"/>
-              </a:lnSpc>
-            </a:pPr>
-            <a:r>
-              <a:rPr lang="en-US" sz="1600" dirty="0" err="1" smtClean="0"/>
-              <a:t>Foreach</a:t>
-            </a:r>
-            <a:r>
-              <a:rPr lang="en-US" sz="1600" dirty="0" smtClean="0"/>
-              <a:t>(iterate items) </a:t>
-            </a:r>
-            <a:r>
-              <a:rPr lang="en-US" sz="1600" dirty="0"/>
-              <a:t>{ execution block </a:t>
-            </a:r>
-            <a:r>
-              <a:rPr lang="en-US" sz="1600" dirty="0" smtClean="0"/>
-              <a:t>}</a:t>
-            </a:r>
-          </a:p>
-          <a:p>
-            <a:pPr marL="914400" lvl="2" indent="0">
-              <a:lnSpc>
-                <a:spcPct val="150000"/>
-              </a:lnSpc>
-              <a:buNone/>
-            </a:pPr>
-            <a:endParaRPr lang="en-US" sz="1600" dirty="0" smtClean="0"/>
+              <a:buNone/>
+            </a:pPr>
+            <a:endParaRPr lang="en-US" sz="1600" dirty="0"/>
           </a:p>
           <a:p>
             <a:pPr lvl="1"/>
-            <a:endParaRPr lang="en-US" sz="1400" dirty="0" smtClean="0"/>
+            <a:endParaRPr lang="en-US" sz="1400" dirty="0"/>
           </a:p>
         </p:txBody>
       </p:sp>
@@ -10645,13 +10008,6 @@
   <p:clrMapOvr>
     <a:masterClrMapping/>
   </p:clrMapOvr>
-  <p:timing>
-    <p:tnLst>
-      <p:par>
-        <p:cTn id="1" dur="indefinite" restart="never" nodeType="tmRoot"/>
-      </p:par>
-    </p:tnLst>
-  </p:timing>
 </p:sld>
 </file>
 
@@ -10688,10 +10044,9 @@
           <a:lstStyle/>
           <a:p>
             <a:r>
-              <a:rPr lang="en-US" b="1" dirty="0" smtClean="0"/>
+              <a:rPr lang="en-US" b="1" dirty="0"/>
               <a:t>PHP ?</a:t>
             </a:r>
-            <a:endParaRPr lang="en-US" b="1" dirty="0"/>
           </a:p>
         </p:txBody>
       </p:sp>
@@ -10727,13 +10082,6 @@
   <p:clrMapOvr>
     <a:masterClrMapping/>
   </p:clrMapOvr>
-  <p:timing>
-    <p:tnLst>
-      <p:par>
-        <p:cTn id="1" dur="indefinite" restart="never" nodeType="tmRoot"/>
-      </p:par>
-    </p:tnLst>
-  </p:timing>
 </p:sld>
 </file>
 
@@ -10777,18 +10125,9 @@
           <a:lstStyle/>
           <a:p>
             <a:r>
-              <a:rPr lang="en-US" b="1" dirty="0" smtClean="0"/>
-              <a:t>Functions</a:t>
-            </a:r>
-            <a:r>
-              <a:rPr lang="en-US" b="1" dirty="0" smtClean="0"/>
-              <a:t> </a:t>
-            </a:r>
-            <a:r>
-              <a:rPr lang="en-US" b="1" dirty="0" smtClean="0"/>
-              <a:t>in PHP</a:t>
-            </a:r>
-            <a:endParaRPr lang="en-US" b="1" dirty="0"/>
+              <a:rPr lang="en-US" b="1" dirty="0"/>
+              <a:t>Functions in PHP</a:t>
+            </a:r>
           </a:p>
         </p:txBody>
       </p:sp>
@@ -10816,7 +10155,7 @@
           <a:p>
             <a:pPr lvl="1"/>
             <a:r>
-              <a:rPr lang="en-US" dirty="0" smtClean="0"/>
+              <a:rPr lang="en-US" dirty="0"/>
               <a:t>Function is a block of code that used repeatedly in our code every time when we call the function we get the same code of execution</a:t>
             </a:r>
           </a:p>
@@ -10826,26 +10165,20 @@
               <a:rPr lang="en-US" dirty="0"/>
               <a:t>A function name must start with a letter or an underscore. </a:t>
             </a:r>
-            <a:endParaRPr lang="en-US" dirty="0" smtClean="0"/>
           </a:p>
           <a:p>
             <a:pPr lvl="1"/>
             <a:r>
-              <a:rPr lang="en-US" dirty="0" smtClean="0"/>
-              <a:t>Function </a:t>
-            </a:r>
-            <a:r>
-              <a:rPr lang="en-US" dirty="0"/>
-              <a:t>names are NOT case-sensitive.</a:t>
-            </a:r>
-            <a:endParaRPr lang="en-US" dirty="0" smtClean="0"/>
+              <a:rPr lang="en-US" dirty="0"/>
+              <a:t>Function names are NOT case-sensitive.</a:t>
+            </a:r>
           </a:p>
           <a:p>
             <a:pPr marL="457200" lvl="1" indent="0">
               <a:buNone/>
             </a:pPr>
             <a:r>
-              <a:rPr lang="en-US" dirty="0" smtClean="0"/>
+              <a:rPr lang="en-US" dirty="0"/>
               <a:t>function </a:t>
             </a:r>
             <a:r>
@@ -10871,7 +10204,7 @@
               <a:buNone/>
             </a:pPr>
             <a:r>
-              <a:rPr lang="en-US" dirty="0" smtClean="0"/>
+              <a:rPr lang="en-US" dirty="0"/>
               <a:t>}</a:t>
             </a:r>
           </a:p>
@@ -10880,7 +10213,7 @@
               <a:buNone/>
             </a:pPr>
             <a:r>
-              <a:rPr lang="en-US" dirty="0" smtClean="0"/>
+              <a:rPr lang="en-US" dirty="0"/>
               <a:t>-------------</a:t>
             </a:r>
           </a:p>
@@ -10931,7 +10264,7 @@
               <a:buNone/>
             </a:pPr>
             <a:r>
-              <a:rPr lang="en-US" dirty="0" smtClean="0"/>
+              <a:rPr lang="en-US" dirty="0"/>
               <a:t>}</a:t>
             </a:r>
           </a:p>
@@ -10940,7 +10273,7 @@
               <a:buNone/>
             </a:pPr>
             <a:r>
-              <a:rPr lang="en-US" dirty="0" smtClean="0"/>
+              <a:rPr lang="en-US" dirty="0"/>
               <a:t>------------</a:t>
             </a:r>
           </a:p>
@@ -10950,15 +10283,7 @@
             </a:pPr>
             <a:r>
               <a:rPr lang="en-US" dirty="0"/>
-              <a:t>function </a:t>
-            </a:r>
-            <a:r>
-              <a:rPr lang="en-US" dirty="0" smtClean="0"/>
-              <a:t>sum($</a:t>
-            </a:r>
-            <a:r>
-              <a:rPr lang="en-US" dirty="0"/>
-              <a:t>x, $y) {</a:t>
+              <a:t>function sum($x, $y) {</a:t>
             </a:r>
           </a:p>
           <a:p>
@@ -10978,7 +10303,6 @@
               <a:rPr lang="en-US" dirty="0"/>
               <a:t>}</a:t>
             </a:r>
-            <a:endParaRPr lang="en-US" dirty="0" smtClean="0"/>
           </a:p>
         </p:txBody>
       </p:sp>
@@ -10992,13 +10316,6 @@
   <p:clrMapOvr>
     <a:masterClrMapping/>
   </p:clrMapOvr>
-  <p:timing>
-    <p:tnLst>
-      <p:par>
-        <p:cTn id="1" dur="indefinite" restart="never" nodeType="tmRoot"/>
-      </p:par>
-    </p:tnLst>
-  </p:timing>
 </p:sld>
 </file>
 
@@ -11042,18 +10359,9 @@
           <a:lstStyle/>
           <a:p>
             <a:r>
-              <a:rPr lang="en-US" b="1" dirty="0" smtClean="0"/>
-              <a:t>Arrays</a:t>
-            </a:r>
-            <a:r>
-              <a:rPr lang="en-US" b="1" dirty="0" smtClean="0"/>
-              <a:t> </a:t>
-            </a:r>
-            <a:r>
-              <a:rPr lang="en-US" b="1" dirty="0" smtClean="0"/>
-              <a:t>in PHP</a:t>
-            </a:r>
-            <a:endParaRPr lang="en-US" b="1" dirty="0"/>
+              <a:rPr lang="en-US" b="1" dirty="0"/>
+              <a:t>Arrays in PHP</a:t>
+            </a:r>
           </a:p>
         </p:txBody>
       </p:sp>
@@ -11085,15 +10393,15 @@
               </a:lnSpc>
             </a:pPr>
             <a:r>
-              <a:rPr lang="en-US" dirty="0" smtClean="0"/>
+              <a:rPr lang="en-US" dirty="0"/>
               <a:t>Used to store multiple values/objects in a single variable there are 4 types of arrays exists in PHP (</a:t>
             </a:r>
             <a:r>
-              <a:rPr lang="en-US" b="1" dirty="0" smtClean="0"/>
+              <a:rPr lang="en-US" b="1" dirty="0"/>
               <a:t>indexed, associative, multidimensional, global array</a:t>
             </a:r>
             <a:r>
-              <a:rPr lang="en-US" dirty="0" smtClean="0"/>
+              <a:rPr lang="en-US" dirty="0"/>
               <a:t>)</a:t>
             </a:r>
           </a:p>
@@ -11104,7 +10412,7 @@
               </a:lnSpc>
             </a:pPr>
             <a:r>
-              <a:rPr lang="en-US" dirty="0" smtClean="0"/>
+              <a:rPr lang="en-US" dirty="0"/>
               <a:t>Index Array</a:t>
             </a:r>
           </a:p>
@@ -11124,11 +10432,7 @@
             </a:r>
             <a:r>
               <a:rPr lang="en-US" sz="1600" dirty="0"/>
-              <a:t> = [1, 2, 3, 4, 5, 6, 7, 8</a:t>
-            </a:r>
-            <a:r>
-              <a:rPr lang="en-US" sz="1600" dirty="0" smtClean="0"/>
-              <a:t>];</a:t>
+              <a:t> = [1, 2, 3, 4, 5, 6, 7, 8];</a:t>
             </a:r>
           </a:p>
           <a:p>
@@ -11138,11 +10442,11 @@
               </a:lnSpc>
             </a:pPr>
             <a:r>
-              <a:rPr lang="en-US" dirty="0" smtClean="0"/>
+              <a:rPr lang="en-US" dirty="0"/>
               <a:t>Associative Array </a:t>
             </a:r>
             <a:r>
-              <a:rPr lang="en-US" dirty="0" smtClean="0">
+              <a:rPr lang="en-US" dirty="0">
                 <a:sym typeface="Wingdings" panose="05000000000000000000" pitchFamily="2" charset="2"/>
               </a:rPr>
               <a:t> key and value pair</a:t>
@@ -11165,11 +10469,7 @@
             </a:r>
             <a:r>
               <a:rPr lang="en-US" sz="1600" dirty="0"/>
-              <a:t> = </a:t>
-            </a:r>
-            <a:r>
-              <a:rPr lang="en-US" sz="1600" dirty="0" smtClean="0"/>
-              <a:t>[name =&gt; PNY, location =&gt; Multan];</a:t>
+              <a:t> = [name =&gt; PNY, location =&gt; Multan];</a:t>
             </a:r>
           </a:p>
           <a:p>
@@ -11179,16 +10479,12 @@
               </a:lnSpc>
             </a:pPr>
             <a:r>
-              <a:rPr lang="en-US" dirty="0" err="1" smtClean="0"/>
+              <a:rPr lang="en-US" dirty="0" err="1"/>
               <a:t>Multidimension</a:t>
             </a:r>
             <a:r>
-              <a:rPr lang="en-US" dirty="0" smtClean="0"/>
-              <a:t> </a:t>
-            </a:r>
-            <a:r>
-              <a:rPr lang="en-US" dirty="0"/>
-              <a:t>Array</a:t>
+              <a:rPr lang="en-US" dirty="0"/>
+              <a:t> Array</a:t>
             </a:r>
           </a:p>
           <a:p>
@@ -11236,20 +10532,15 @@
             </a:pPr>
             <a:r>
               <a:rPr lang="en-US" sz="1600" dirty="0"/>
-              <a:t>	array("Hero", 15, 2022</a:t>
-            </a:r>
-            <a:r>
-              <a:rPr lang="en-US" sz="1600" dirty="0" smtClean="0"/>
-              <a:t>)</a:t>
+              <a:t>	array("Hero", 15, 2022)</a:t>
             </a:r>
             <a:br>
-              <a:rPr lang="en-US" sz="1600" dirty="0" smtClean="0"/>
+              <a:rPr lang="en-US" sz="1600" dirty="0"/>
             </a:br>
             <a:r>
-              <a:rPr lang="en-US" sz="1600" dirty="0" smtClean="0"/>
+              <a:rPr lang="en-US" sz="1600" dirty="0"/>
               <a:t>);</a:t>
             </a:r>
-            <a:endParaRPr lang="en-US" sz="1600" dirty="0"/>
           </a:p>
         </p:txBody>
       </p:sp>
@@ -11263,13 +10554,6 @@
   <p:clrMapOvr>
     <a:masterClrMapping/>
   </p:clrMapOvr>
-  <p:timing>
-    <p:tnLst>
-      <p:par>
-        <p:cTn id="1" dur="indefinite" restart="never" nodeType="tmRoot"/>
-      </p:par>
-    </p:tnLst>
-  </p:timing>
 </p:sld>
 </file>
 
@@ -11313,18 +10597,9 @@
           <a:lstStyle/>
           <a:p>
             <a:r>
-              <a:rPr lang="en-US" b="1" dirty="0" smtClean="0"/>
-              <a:t>Global Arrays</a:t>
-            </a:r>
-            <a:r>
-              <a:rPr lang="en-US" b="1" dirty="0" smtClean="0"/>
-              <a:t> </a:t>
-            </a:r>
-            <a:r>
-              <a:rPr lang="en-US" b="1" dirty="0" smtClean="0"/>
-              <a:t>in PHP</a:t>
-            </a:r>
-            <a:endParaRPr lang="en-US" b="1" dirty="0"/>
+              <a:rPr lang="en-US" b="1" dirty="0"/>
+              <a:t>Global Arrays in PHP</a:t>
+            </a:r>
           </a:p>
         </p:txBody>
       </p:sp>
@@ -11356,7 +10631,7 @@
               </a:lnSpc>
             </a:pPr>
             <a:r>
-              <a:rPr lang="en-US" sz="1600" dirty="0" smtClean="0"/>
+              <a:rPr lang="en-US" sz="1600" dirty="0"/>
               <a:t>Global array are defined by PHP we can also named as pre-defined arrays</a:t>
             </a:r>
           </a:p>
@@ -11367,7 +10642,7 @@
               </a:lnSpc>
             </a:pPr>
             <a:r>
-              <a:rPr lang="en-US" dirty="0" smtClean="0"/>
+              <a:rPr lang="en-US" dirty="0"/>
               <a:t>$_SERVER</a:t>
             </a:r>
           </a:p>
@@ -11378,7 +10653,7 @@
               </a:lnSpc>
             </a:pPr>
             <a:r>
-              <a:rPr lang="en-US" sz="1600" dirty="0" smtClean="0"/>
+              <a:rPr lang="en-US" sz="1600" dirty="0"/>
               <a:t>$_COOKIE</a:t>
             </a:r>
           </a:p>
@@ -11389,10 +10664,10 @@
               </a:lnSpc>
             </a:pPr>
             <a:r>
-              <a:rPr lang="en-US" dirty="0" smtClean="0"/>
+              <a:rPr lang="en-US" dirty="0"/>
               <a:t>$_SESSION</a:t>
             </a:r>
-            <a:endParaRPr lang="en-US" sz="1600" dirty="0" smtClean="0"/>
+            <a:endParaRPr lang="en-US" sz="1600" dirty="0"/>
           </a:p>
           <a:p>
             <a:pPr lvl="1">
@@ -11401,7 +10676,7 @@
               </a:lnSpc>
             </a:pPr>
             <a:r>
-              <a:rPr lang="en-US" dirty="0" smtClean="0"/>
+              <a:rPr lang="en-US" dirty="0"/>
               <a:t>$_POST</a:t>
             </a:r>
           </a:p>
@@ -11412,7 +10687,7 @@
               </a:lnSpc>
             </a:pPr>
             <a:r>
-              <a:rPr lang="en-US" dirty="0" smtClean="0"/>
+              <a:rPr lang="en-US" dirty="0"/>
               <a:t>$_GET</a:t>
             </a:r>
           </a:p>
@@ -11423,7 +10698,7 @@
               </a:lnSpc>
             </a:pPr>
             <a:r>
-              <a:rPr lang="en-US" sz="1600" dirty="0" smtClean="0"/>
+              <a:rPr lang="en-US" sz="1600" dirty="0"/>
               <a:t>$_REQUEST</a:t>
             </a:r>
           </a:p>
@@ -11434,7 +10709,7 @@
               </a:lnSpc>
             </a:pPr>
             <a:r>
-              <a:rPr lang="en-US" dirty="0" smtClean="0"/>
+              <a:rPr lang="en-US" dirty="0"/>
               <a:t>$_FILES</a:t>
             </a:r>
           </a:p>
@@ -11450,13 +10725,6 @@
   <p:clrMapOvr>
     <a:masterClrMapping/>
   </p:clrMapOvr>
-  <p:timing>
-    <p:tnLst>
-      <p:par>
-        <p:cTn id="1" dur="indefinite" restart="never" nodeType="tmRoot"/>
-      </p:par>
-    </p:tnLst>
-  </p:timing>
 </p:sld>
 </file>
 
@@ -11501,21 +10769,8 @@
           <a:p>
             <a:r>
               <a:rPr lang="en-US" b="1" dirty="0"/>
-              <a:t>Date and </a:t>
-            </a:r>
-            <a:r>
-              <a:rPr lang="en-US" b="1" dirty="0" smtClean="0"/>
-              <a:t>Time</a:t>
-            </a:r>
-            <a:r>
-              <a:rPr lang="en-US" b="1" dirty="0" smtClean="0"/>
-              <a:t> </a:t>
-            </a:r>
-            <a:r>
-              <a:rPr lang="en-US" b="1" dirty="0" smtClean="0"/>
-              <a:t>in PHP</a:t>
-            </a:r>
-            <a:endParaRPr lang="en-US" b="1" dirty="0"/>
+              <a:t>Date and Time in PHP</a:t>
+            </a:r>
           </a:p>
         </p:txBody>
       </p:sp>
@@ -11547,7 +10802,7 @@
               </a:lnSpc>
             </a:pPr>
             <a:r>
-              <a:rPr lang="en-US" dirty="0" smtClean="0"/>
+              <a:rPr lang="en-US" dirty="0"/>
               <a:t>date() and time() both functions are used to manipulate date and time manipulation </a:t>
             </a:r>
           </a:p>
@@ -11558,7 +10813,7 @@
               </a:lnSpc>
             </a:pPr>
             <a:r>
-              <a:rPr lang="en-US" dirty="0" smtClean="0"/>
+              <a:rPr lang="en-US" dirty="0"/>
               <a:t>Date</a:t>
             </a:r>
           </a:p>
@@ -11570,11 +10825,7 @@
             </a:pPr>
             <a:r>
               <a:rPr lang="en-US" sz="1600" dirty="0"/>
-              <a:t>date(format</a:t>
-            </a:r>
-            <a:r>
-              <a:rPr lang="en-US" sz="1600" dirty="0" smtClean="0"/>
-              <a:t>, time)</a:t>
+              <a:t>date(format, time)</a:t>
             </a:r>
           </a:p>
           <a:p>
@@ -11585,11 +10836,7 @@
             </a:pPr>
             <a:r>
               <a:rPr lang="en-US" sz="1600" dirty="0"/>
-              <a:t>date("Y/m/d</a:t>
-            </a:r>
-            <a:r>
-              <a:rPr lang="en-US" sz="1600" dirty="0" smtClean="0"/>
-              <a:t>")</a:t>
+              <a:t>date("Y/m/d")</a:t>
             </a:r>
           </a:p>
           <a:p>
@@ -11601,121 +10848,76 @@
             </a:pPr>
             <a:r>
               <a:rPr lang="en-US" sz="1600" dirty="0"/>
-              <a:t>$</a:t>
-            </a:r>
-            <a:r>
-              <a:rPr lang="en-US" sz="1600" dirty="0" smtClean="0"/>
-              <a:t>d = </a:t>
-            </a:r>
-            <a:r>
-              <a:rPr lang="en-US" sz="1600" dirty="0" err="1" smtClean="0"/>
+              <a:t>$d = </a:t>
+            </a:r>
+            <a:r>
+              <a:rPr lang="en-US" sz="1600" dirty="0" err="1"/>
               <a:t>strtotime</a:t>
             </a:r>
             <a:r>
               <a:rPr lang="en-US" sz="1600" dirty="0"/>
-              <a:t>("tomorrow</a:t>
-            </a:r>
-            <a:r>
-              <a:rPr lang="en-US" sz="1600" dirty="0" smtClean="0"/>
-              <a:t>"); </a:t>
-            </a:r>
-            <a:r>
-              <a:rPr lang="en-US" sz="1600" dirty="0" smtClean="0">
+              <a:t>("tomorrow"); </a:t>
+            </a:r>
+            <a:r>
+              <a:rPr lang="en-US" sz="1600" dirty="0">
                 <a:sym typeface="Wingdings" panose="05000000000000000000" pitchFamily="2" charset="2"/>
               </a:rPr>
               <a:t></a:t>
             </a:r>
             <a:r>
               <a:rPr lang="en-US" sz="1600" dirty="0"/>
-              <a:t> date("Y-m-d h:i:sa", $d</a:t>
-            </a:r>
-            <a:r>
-              <a:rPr lang="en-US" sz="1600" dirty="0" smtClean="0"/>
-              <a:t>)</a:t>
-            </a:r>
-            <a:r>
-              <a:rPr lang="en-US" sz="1600" dirty="0"/>
-              <a:t/>
+              <a:t> date("Y-m-d h:i:sa", $d)</a:t>
             </a:r>
             <a:br>
               <a:rPr lang="en-US" sz="1600" dirty="0"/>
             </a:br>
             <a:r>
               <a:rPr lang="en-US" sz="1600" dirty="0"/>
-              <a:t>$</a:t>
-            </a:r>
-            <a:r>
-              <a:rPr lang="en-US" sz="1600" dirty="0" smtClean="0"/>
-              <a:t>d = </a:t>
-            </a:r>
-            <a:r>
-              <a:rPr lang="en-US" sz="1600" dirty="0" err="1" smtClean="0"/>
+              <a:t>$d = </a:t>
+            </a:r>
+            <a:r>
+              <a:rPr lang="en-US" sz="1600" dirty="0" err="1"/>
               <a:t>strtotime</a:t>
             </a:r>
             <a:r>
               <a:rPr lang="en-US" sz="1600" dirty="0"/>
-              <a:t>("next Saturday</a:t>
-            </a:r>
-            <a:r>
-              <a:rPr lang="en-US" sz="1600" dirty="0" smtClean="0"/>
-              <a:t>"); </a:t>
-            </a:r>
-            <a:r>
-              <a:rPr lang="en-US" sz="1600" dirty="0" smtClean="0">
+              <a:t>("next Saturday"); </a:t>
+            </a:r>
+            <a:r>
+              <a:rPr lang="en-US" sz="1600" dirty="0">
                 <a:sym typeface="Wingdings" panose="05000000000000000000" pitchFamily="2" charset="2"/>
               </a:rPr>
               <a:t> </a:t>
             </a:r>
             <a:r>
-              <a:rPr lang="en-US" sz="1600" dirty="0" smtClean="0"/>
-              <a:t>date</a:t>
-            </a:r>
-            <a:r>
               <a:rPr lang="en-US" sz="1600" dirty="0"/>
-              <a:t>("Y-m-d h:i:sa", $d</a:t>
-            </a:r>
-            <a:r>
-              <a:rPr lang="en-US" sz="1600" dirty="0" smtClean="0"/>
-              <a:t>)</a:t>
-            </a:r>
-            <a:r>
-              <a:rPr lang="en-US" sz="1600" dirty="0"/>
-              <a:t/>
+              <a:t>date("Y-m-d h:i:sa", $d)</a:t>
             </a:r>
             <a:br>
               <a:rPr lang="en-US" sz="1600" dirty="0"/>
             </a:br>
             <a:r>
-              <a:rPr lang="en-US" sz="1600" dirty="0" smtClean="0"/>
+              <a:rPr lang="en-US" sz="1600" dirty="0"/>
               <a:t>$d = </a:t>
             </a:r>
             <a:r>
-              <a:rPr lang="en-US" sz="1600" dirty="0" err="1" smtClean="0"/>
+              <a:rPr lang="en-US" sz="1600" dirty="0" err="1"/>
               <a:t>strtotime</a:t>
             </a:r>
             <a:r>
               <a:rPr lang="en-US" sz="1600" dirty="0"/>
-              <a:t>("+3 Months</a:t>
-            </a:r>
-            <a:r>
-              <a:rPr lang="en-US" sz="1600" dirty="0" smtClean="0"/>
-              <a:t>"); </a:t>
-            </a:r>
-            <a:r>
-              <a:rPr lang="en-US" sz="1600" dirty="0" smtClean="0">
+              <a:t>("+3 Months"); </a:t>
+            </a:r>
+            <a:r>
+              <a:rPr lang="en-US" sz="1600" dirty="0">
                 <a:sym typeface="Wingdings" panose="05000000000000000000" pitchFamily="2" charset="2"/>
               </a:rPr>
               <a:t></a:t>
             </a:r>
             <a:r>
               <a:rPr lang="en-US" sz="1600" dirty="0"/>
-              <a:t> date("Y-m-d h:i:sa", $d</a:t>
-            </a:r>
-            <a:r>
-              <a:rPr lang="en-US" sz="1600" dirty="0" smtClean="0"/>
-              <a:t>)</a:t>
-            </a:r>
-            <a:endParaRPr lang="en-US" sz="1600" dirty="0"/>
+              <a:t> date("Y-m-d h:i:sa", $d)</a:t>
+            </a:r>
           </a:p>
         </p:txBody>
       </p:sp>
@@ -11729,13 +10931,6 @@
   <p:clrMapOvr>
     <a:masterClrMapping/>
   </p:clrMapOvr>
-  <p:timing>
-    <p:tnLst>
-      <p:par>
-        <p:cTn id="1" dur="indefinite" restart="never" nodeType="tmRoot"/>
-      </p:par>
-    </p:tnLst>
-  </p:timing>
 </p:sld>
 </file>
 
@@ -11779,18 +10974,9 @@
           <a:lstStyle/>
           <a:p>
             <a:r>
-              <a:rPr lang="en-US" b="1" dirty="0" smtClean="0"/>
-              <a:t>Include/require</a:t>
-            </a:r>
-            <a:r>
-              <a:rPr lang="en-US" b="1" dirty="0" smtClean="0"/>
-              <a:t> </a:t>
-            </a:r>
-            <a:r>
-              <a:rPr lang="en-US" b="1" dirty="0" smtClean="0"/>
-              <a:t>in PHP</a:t>
-            </a:r>
-            <a:endParaRPr lang="en-US" b="1" dirty="0"/>
+              <a:rPr lang="en-US" b="1" dirty="0"/>
+              <a:t>Include/require in PHP</a:t>
+            </a:r>
           </a:p>
         </p:txBody>
       </p:sp>
@@ -11822,7 +11008,7 @@
               </a:lnSpc>
             </a:pPr>
             <a:r>
-              <a:rPr lang="en-US" b="1" dirty="0" smtClean="0"/>
+              <a:rPr lang="en-US" b="1" dirty="0"/>
               <a:t>Include:</a:t>
             </a:r>
           </a:p>
@@ -11833,7 +11019,7 @@
               </a:lnSpc>
             </a:pPr>
             <a:r>
-              <a:rPr lang="en-US" sz="1600" dirty="0" smtClean="0"/>
+              <a:rPr lang="en-US" sz="1600" dirty="0"/>
               <a:t>Generate warning if file not linked/exists</a:t>
             </a:r>
           </a:p>
@@ -11844,16 +11030,8 @@
               </a:lnSpc>
             </a:pPr>
             <a:r>
-              <a:rPr lang="en-US" sz="1600" dirty="0" smtClean="0"/>
-              <a:t>include </a:t>
-            </a:r>
-            <a:r>
               <a:rPr lang="en-US" sz="1600" dirty="0"/>
-              <a:t>("file"); include files multiple </a:t>
-            </a:r>
-            <a:r>
-              <a:rPr lang="en-US" sz="1600" dirty="0" smtClean="0"/>
-              <a:t>times</a:t>
+              <a:t>include ("file"); include files multiple times</a:t>
             </a:r>
           </a:p>
           <a:p>
@@ -11868,9 +11046,8 @@
             </a:r>
             <a:r>
               <a:rPr lang="en-US" sz="1600" dirty="0"/>
-              <a:t> ("file"); include files multiple times </a:t>
-            </a:r>
-            <a:endParaRPr lang="en-US" sz="1600" dirty="0" smtClean="0"/>
+              <a:t> ("file"); include once add file only one time</a:t>
+            </a:r>
           </a:p>
           <a:p>
             <a:pPr marL="800100" lvl="1">
@@ -11879,7 +11056,7 @@
               </a:lnSpc>
             </a:pPr>
             <a:r>
-              <a:rPr lang="en-US" b="1" dirty="0" smtClean="0"/>
+              <a:rPr lang="en-US" b="1" dirty="0"/>
               <a:t>Require:</a:t>
             </a:r>
           </a:p>
@@ -11890,7 +11067,7 @@
               </a:lnSpc>
             </a:pPr>
             <a:r>
-              <a:rPr lang="en-US" sz="1600" dirty="0" smtClean="0"/>
+              <a:rPr lang="en-US" sz="1600" dirty="0"/>
               <a:t>Generate fetal error if file not linked/exists</a:t>
             </a:r>
           </a:p>
@@ -11901,12 +11078,8 @@
               </a:lnSpc>
             </a:pPr>
             <a:r>
-              <a:rPr lang="en-US" sz="1600" dirty="0" smtClean="0"/>
-              <a:t>require </a:t>
-            </a:r>
-            <a:r>
               <a:rPr lang="en-US" sz="1600" dirty="0"/>
-              <a:t>("file"); include files multiple times</a:t>
+              <a:t>require ("file"); include files multiple times</a:t>
             </a:r>
           </a:p>
           <a:p>
@@ -11916,16 +11089,12 @@
               </a:lnSpc>
             </a:pPr>
             <a:r>
-              <a:rPr lang="en-US" sz="1600" dirty="0" err="1" smtClean="0"/>
+              <a:rPr lang="en-US" sz="1600" dirty="0" err="1"/>
               <a:t>require_once</a:t>
             </a:r>
             <a:r>
-              <a:rPr lang="en-US" sz="1600" dirty="0" smtClean="0"/>
-              <a:t> </a:t>
-            </a:r>
-            <a:r>
               <a:rPr lang="en-US" sz="1600" dirty="0"/>
-              <a:t>("file"); include files multiple times </a:t>
+              <a:t> ("file"); require once add file only one time</a:t>
             </a:r>
           </a:p>
         </p:txBody>
@@ -11940,13 +11109,6 @@
   <p:clrMapOvr>
     <a:masterClrMapping/>
   </p:clrMapOvr>
-  <p:timing>
-    <p:tnLst>
-      <p:par>
-        <p:cTn id="1" dur="indefinite" restart="never" nodeType="tmRoot"/>
-      </p:par>
-    </p:tnLst>
-  </p:timing>
 </p:sld>
 </file>
 
@@ -11990,18 +11152,9 @@
           <a:lstStyle/>
           <a:p>
             <a:r>
-              <a:rPr lang="en-US" b="1" dirty="0" smtClean="0"/>
-              <a:t>Cookies</a:t>
-            </a:r>
-            <a:r>
-              <a:rPr lang="en-US" b="1" dirty="0" smtClean="0"/>
-              <a:t> </a:t>
-            </a:r>
-            <a:r>
-              <a:rPr lang="en-US" b="1" dirty="0" smtClean="0"/>
-              <a:t>in PHP</a:t>
-            </a:r>
-            <a:endParaRPr lang="en-US" b="1" dirty="0"/>
+              <a:rPr lang="en-US" b="1" dirty="0"/>
+              <a:t>Cookies in PHP</a:t>
+            </a:r>
           </a:p>
         </p:txBody>
       </p:sp>
@@ -12033,7 +11186,7 @@
               </a:lnSpc>
             </a:pPr>
             <a:r>
-              <a:rPr lang="en-US" sz="1600" dirty="0" smtClean="0"/>
+              <a:rPr lang="en-US" sz="1600" dirty="0"/>
               <a:t>Cookies are used to store user values, cookies are stored on user browser we can also set cookies for specific pages cookies have a power to maintain values even if you close the browser or even close the system.</a:t>
             </a:r>
           </a:p>
@@ -12049,11 +11202,7 @@
             </a:r>
             <a:r>
               <a:rPr lang="en-US" dirty="0"/>
-              <a:t>() function is used for setting </a:t>
-            </a:r>
-            <a:r>
-              <a:rPr lang="en-US" dirty="0" smtClean="0"/>
-              <a:t>cookies</a:t>
+              <a:t>() function is used for setting cookies</a:t>
             </a:r>
           </a:p>
           <a:p>
@@ -12075,7 +11224,7 @@
               <a:t>httponly</a:t>
             </a:r>
             <a:r>
-              <a:rPr lang="en-US" dirty="0" smtClean="0"/>
+              <a:rPr lang="en-US" dirty="0"/>
               <a:t>);</a:t>
             </a:r>
           </a:p>
@@ -12107,11 +11256,7 @@
             </a:r>
             <a:r>
               <a:rPr lang="en-US" dirty="0"/>
-              <a:t>, time() + (3600), "/"); // set for 1 </a:t>
-            </a:r>
-            <a:r>
-              <a:rPr lang="en-US" dirty="0" smtClean="0"/>
-              <a:t>hour</a:t>
+              <a:t>, time() + (3600), "/"); // set for 1 hour</a:t>
             </a:r>
           </a:p>
           <a:p>
@@ -12121,8 +11266,50 @@
               </a:lnSpc>
             </a:pPr>
             <a:r>
-              <a:rPr lang="en-US" dirty="0" smtClean="0"/>
+              <a:rPr lang="en-US" dirty="0"/>
               <a:t>$_COOKIE global array is used to retrieve all the cookies</a:t>
+            </a:r>
+          </a:p>
+          <a:p>
+            <a:pPr lvl="1">
+              <a:lnSpc>
+                <a:spcPct val="200000"/>
+              </a:lnSpc>
+            </a:pPr>
+            <a:r>
+              <a:rPr lang="en-US" dirty="0" err="1"/>
+              <a:t>setcookie</a:t>
+            </a:r>
+            <a:r>
+              <a:rPr lang="en-US" dirty="0"/>
+              <a:t>("</a:t>
+            </a:r>
+            <a:r>
+              <a:rPr lang="en-US" dirty="0" err="1"/>
+              <a:t>my_cookie</a:t>
+            </a:r>
+            <a:r>
+              <a:rPr lang="en-US" dirty="0"/>
+              <a:t>", NULL, -1, "/"); // delete cookie</a:t>
+            </a:r>
+          </a:p>
+          <a:p>
+            <a:pPr lvl="1">
+              <a:lnSpc>
+                <a:spcPct val="200000"/>
+              </a:lnSpc>
+            </a:pPr>
+            <a:r>
+              <a:rPr lang="en-US" dirty="0"/>
+              <a:t>unset($_COOKIE['</a:t>
+            </a:r>
+            <a:r>
+              <a:rPr lang="en-US" dirty="0" err="1"/>
+              <a:t>my_cookie</a:t>
+            </a:r>
+            <a:r>
+              <a:rPr lang="en-US" dirty="0"/>
+              <a:t>’]); // delete cookie</a:t>
             </a:r>
             <a:endParaRPr lang="en-US" sz="1600" dirty="0"/>
           </a:p>
@@ -12138,13 +11325,6 @@
   <p:clrMapOvr>
     <a:masterClrMapping/>
   </p:clrMapOvr>
-  <p:timing>
-    <p:tnLst>
-      <p:par>
-        <p:cTn id="1" dur="indefinite" restart="never" nodeType="tmRoot"/>
-      </p:par>
-    </p:tnLst>
-  </p:timing>
 </p:sld>
 </file>
 
@@ -12188,18 +11368,9 @@
           <a:lstStyle/>
           <a:p>
             <a:r>
-              <a:rPr lang="en-US" b="1" dirty="0" smtClean="0"/>
-              <a:t>Session</a:t>
-            </a:r>
-            <a:r>
-              <a:rPr lang="en-US" b="1" dirty="0" smtClean="0"/>
-              <a:t> </a:t>
-            </a:r>
-            <a:r>
-              <a:rPr lang="en-US" b="1" dirty="0" smtClean="0"/>
-              <a:t>in PHP</a:t>
-            </a:r>
-            <a:endParaRPr lang="en-US" b="1" dirty="0"/>
+              <a:rPr lang="en-US" b="1" dirty="0"/>
+              <a:t>Session in PHP</a:t>
+            </a:r>
           </a:p>
         </p:txBody>
       </p:sp>
@@ -12231,16 +11402,12 @@
               </a:lnSpc>
             </a:pPr>
             <a:r>
-              <a:rPr lang="en-US" sz="1600" dirty="0" smtClean="0"/>
+              <a:rPr lang="en-US" sz="1600" dirty="0"/>
               <a:t>Much like cookies to store user information but it store values on server not on the user browser and can be accessed every single page.</a:t>
             </a:r>
             <a:r>
               <a:rPr lang="en-US" dirty="0"/>
-              <a:t> </a:t>
-            </a:r>
-            <a:r>
-              <a:rPr lang="en-US" dirty="0" smtClean="0"/>
-              <a:t>Sessions destroys it self when we close the browser or system</a:t>
+              <a:t> Sessions destroys it self when we close the browser or system</a:t>
             </a:r>
           </a:p>
           <a:p>
@@ -12250,11 +11417,11 @@
               </a:lnSpc>
             </a:pPr>
             <a:r>
-              <a:rPr lang="en-US" dirty="0" err="1" smtClean="0"/>
+              <a:rPr lang="en-US" dirty="0" err="1"/>
               <a:t>session_start</a:t>
             </a:r>
             <a:r>
-              <a:rPr lang="en-US" dirty="0" smtClean="0"/>
+              <a:rPr lang="en-US" dirty="0"/>
               <a:t>() function used to start a session </a:t>
             </a:r>
           </a:p>
@@ -12269,7 +11436,7 @@
               <a:t>session_unset</a:t>
             </a:r>
             <a:r>
-              <a:rPr lang="en-US" dirty="0" smtClean="0"/>
+              <a:rPr lang="en-US" dirty="0"/>
               <a:t>(); function used to clear all session variables</a:t>
             </a:r>
           </a:p>
@@ -12280,15 +11447,15 @@
               </a:lnSpc>
             </a:pPr>
             <a:r>
-              <a:rPr lang="en-US" dirty="0" smtClean="0"/>
+              <a:rPr lang="en-US" dirty="0"/>
               <a:t> </a:t>
             </a:r>
             <a:r>
-              <a:rPr lang="en-US" dirty="0" err="1" smtClean="0"/>
+              <a:rPr lang="en-US" dirty="0" err="1"/>
               <a:t>session_destroy</a:t>
             </a:r>
             <a:r>
-              <a:rPr lang="en-US" dirty="0" smtClean="0"/>
+              <a:rPr lang="en-US" dirty="0"/>
               <a:t> functions used to delete/destroy session</a:t>
             </a:r>
           </a:p>
@@ -12300,21 +11467,8 @@
             </a:pPr>
             <a:r>
               <a:rPr lang="en-US" dirty="0"/>
-              <a:t>$_SESSION is used to </a:t>
-            </a:r>
-            <a:r>
-              <a:rPr lang="en-US" dirty="0" smtClean="0"/>
-              <a:t>get or set </a:t>
-            </a:r>
-            <a:r>
-              <a:rPr lang="en-US" dirty="0"/>
-              <a:t>session </a:t>
-            </a:r>
-            <a:r>
-              <a:rPr lang="en-US" dirty="0" smtClean="0"/>
-              <a:t>values</a:t>
-            </a:r>
-            <a:endParaRPr lang="en-US" dirty="0"/>
+              <a:t>$_SESSION is used to get or set session values</a:t>
+            </a:r>
           </a:p>
         </p:txBody>
       </p:sp>
@@ -12328,13 +11482,6 @@
   <p:clrMapOvr>
     <a:masterClrMapping/>
   </p:clrMapOvr>
-  <p:timing>
-    <p:tnLst>
-      <p:par>
-        <p:cTn id="1" dur="indefinite" restart="never" nodeType="tmRoot"/>
-      </p:par>
-    </p:tnLst>
-  </p:timing>
 </p:sld>
 </file>
 
@@ -12378,18 +11525,9 @@
           <a:lstStyle/>
           <a:p>
             <a:r>
-              <a:rPr lang="en-US" b="1" dirty="0" smtClean="0"/>
-              <a:t>Filters</a:t>
-            </a:r>
-            <a:r>
-              <a:rPr lang="en-US" b="1" dirty="0" smtClean="0"/>
-              <a:t> </a:t>
-            </a:r>
-            <a:r>
-              <a:rPr lang="en-US" b="1" dirty="0" smtClean="0"/>
-              <a:t>in PHP</a:t>
-            </a:r>
-            <a:endParaRPr lang="en-US" b="1" dirty="0"/>
+              <a:rPr lang="en-US" b="1" dirty="0"/>
+              <a:t>Filters in PHP</a:t>
+            </a:r>
           </a:p>
         </p:txBody>
       </p:sp>
@@ -12421,7 +11559,7 @@
               </a:lnSpc>
             </a:pPr>
             <a:r>
-              <a:rPr lang="en-US" dirty="0" smtClean="0"/>
+              <a:rPr lang="en-US" dirty="0"/>
               <a:t>There are lots of filter functions given by PHP that are actually used to validate values given by users.</a:t>
             </a:r>
           </a:p>
@@ -12436,7 +11574,7 @@
               <a:t>filter_var</a:t>
             </a:r>
             <a:r>
-              <a:rPr lang="en-US" dirty="0" smtClean="0"/>
+              <a:rPr lang="en-US" dirty="0"/>
               <a:t>() function used to validate and sanitize values.</a:t>
             </a:r>
           </a:p>
@@ -12447,7 +11585,7 @@
               </a:lnSpc>
             </a:pPr>
             <a:r>
-              <a:rPr lang="en-US" sz="1600" dirty="0" smtClean="0"/>
+              <a:rPr lang="en-US" sz="1600" dirty="0"/>
               <a:t>FILTER_SANITIZE_STRING</a:t>
             </a:r>
           </a:p>
@@ -12458,7 +11596,7 @@
               </a:lnSpc>
             </a:pPr>
             <a:r>
-              <a:rPr lang="en-US" sz="1600" dirty="0" smtClean="0"/>
+              <a:rPr lang="en-US" sz="1600" dirty="0"/>
               <a:t>FILTER_VALIDATE_INT</a:t>
             </a:r>
           </a:p>
@@ -12469,7 +11607,7 @@
               </a:lnSpc>
             </a:pPr>
             <a:r>
-              <a:rPr lang="en-US" sz="1600" dirty="0" smtClean="0"/>
+              <a:rPr lang="en-US" sz="1600" dirty="0"/>
               <a:t>FILTER_VALIDATE_IP</a:t>
             </a:r>
           </a:p>
@@ -12480,7 +11618,7 @@
               </a:lnSpc>
             </a:pPr>
             <a:r>
-              <a:rPr lang="en-US" sz="1600" dirty="0" smtClean="0"/>
+              <a:rPr lang="en-US" sz="1600" dirty="0"/>
               <a:t>FILTER_VALIDATE_EMAIL</a:t>
             </a:r>
           </a:p>
@@ -12491,7 +11629,7 @@
               </a:lnSpc>
             </a:pPr>
             <a:r>
-              <a:rPr lang="en-US" sz="1600" dirty="0" smtClean="0"/>
+              <a:rPr lang="en-US" sz="1600" dirty="0"/>
               <a:t>FILTER_SANITIZE_URL</a:t>
             </a:r>
           </a:p>
@@ -12515,13 +11653,6 @@
   <p:clrMapOvr>
     <a:masterClrMapping/>
   </p:clrMapOvr>
-  <p:timing>
-    <p:tnLst>
-      <p:par>
-        <p:cTn id="1" dur="indefinite" restart="never" nodeType="tmRoot"/>
-      </p:par>
-    </p:tnLst>
-  </p:timing>
 </p:sld>
 </file>
 
@@ -12565,18 +11696,9 @@
           <a:lstStyle/>
           <a:p>
             <a:r>
-              <a:rPr lang="en-US" b="1" dirty="0" smtClean="0"/>
-              <a:t>Object Oriented Programming</a:t>
-            </a:r>
-            <a:r>
-              <a:rPr lang="en-US" b="1" dirty="0" smtClean="0"/>
-              <a:t> </a:t>
-            </a:r>
-            <a:r>
-              <a:rPr lang="en-US" b="1" dirty="0" smtClean="0"/>
-              <a:t>in PHP</a:t>
-            </a:r>
-            <a:endParaRPr lang="en-US" b="1" dirty="0"/>
+              <a:rPr lang="en-US" b="1" dirty="0"/>
+              <a:t>Object Oriented Programming in PHP</a:t>
+            </a:r>
           </a:p>
         </p:txBody>
       </p:sp>
@@ -12608,7 +11730,7 @@
               </a:lnSpc>
             </a:pPr>
             <a:r>
-              <a:rPr lang="en-US" sz="1600" dirty="0" smtClean="0"/>
+              <a:rPr lang="en-US" sz="1600" dirty="0"/>
               <a:t>OOP based on classes and objects a class contains properties and functions</a:t>
             </a:r>
           </a:p>
@@ -12619,7 +11741,7 @@
               </a:lnSpc>
             </a:pPr>
             <a:r>
-              <a:rPr lang="en-US" sz="1600" dirty="0" smtClean="0"/>
+              <a:rPr lang="en-US" sz="1600" dirty="0"/>
               <a:t>Objects are the instances of the classes</a:t>
             </a:r>
           </a:p>
@@ -12630,7 +11752,7 @@
               </a:lnSpc>
             </a:pPr>
             <a:r>
-              <a:rPr lang="en-US" sz="1600" dirty="0" smtClean="0"/>
+              <a:rPr lang="en-US" sz="1600" dirty="0"/>
               <a:t>Using objects we can play with class variables/properties and functions</a:t>
             </a:r>
           </a:p>
@@ -12640,7 +11762,7 @@
                 <a:spcPct val="200000"/>
               </a:lnSpc>
             </a:pPr>
-            <a:endParaRPr lang="en-US" sz="1600" dirty="0" smtClean="0"/>
+            <a:endParaRPr lang="en-US" sz="1600" dirty="0"/>
           </a:p>
           <a:p>
             <a:pPr lvl="2">
@@ -12662,13 +11784,6 @@
   <p:clrMapOvr>
     <a:masterClrMapping/>
   </p:clrMapOvr>
-  <p:timing>
-    <p:tnLst>
-      <p:par>
-        <p:cTn id="1" dur="indefinite" restart="never" nodeType="tmRoot"/>
-      </p:par>
-    </p:tnLst>
-  </p:timing>
 </p:sld>
 </file>
 
@@ -12712,18 +11827,9 @@
           <a:lstStyle/>
           <a:p>
             <a:r>
-              <a:rPr lang="en-US" b="1" dirty="0" smtClean="0"/>
-              <a:t>Class</a:t>
-            </a:r>
-            <a:r>
-              <a:rPr lang="en-US" b="1" dirty="0" smtClean="0"/>
-              <a:t> </a:t>
-            </a:r>
-            <a:r>
-              <a:rPr lang="en-US" b="1" dirty="0" smtClean="0"/>
-              <a:t>in PHP</a:t>
-            </a:r>
-            <a:endParaRPr lang="en-US" b="1" dirty="0"/>
+              <a:rPr lang="en-US" b="1" dirty="0"/>
+              <a:t>Class in PHP</a:t>
+            </a:r>
           </a:p>
         </p:txBody>
       </p:sp>
@@ -12752,19 +11858,15 @@
             <a:pPr marL="914400" lvl="2" indent="0">
               <a:buNone/>
             </a:pPr>
-            <a:endParaRPr lang="en-US" sz="1600" dirty="0" smtClean="0"/>
+            <a:endParaRPr lang="en-US" sz="1600" dirty="0"/>
           </a:p>
           <a:p>
             <a:pPr marL="914400" lvl="2" indent="0">
               <a:buNone/>
             </a:pPr>
             <a:r>
-              <a:rPr lang="en-US" sz="1600" dirty="0" smtClean="0"/>
-              <a:t>class </a:t>
-            </a:r>
-            <a:r>
               <a:rPr lang="en-US" sz="1600" dirty="0"/>
-              <a:t>User {</a:t>
+              <a:t>class User {</a:t>
             </a:r>
           </a:p>
           <a:p>
@@ -12891,13 +11993,6 @@
   <p:clrMapOvr>
     <a:masterClrMapping/>
   </p:clrMapOvr>
-  <p:timing>
-    <p:tnLst>
-      <p:par>
-        <p:cTn id="1" dur="indefinite" restart="never" nodeType="tmRoot"/>
-      </p:par>
-    </p:tnLst>
-  </p:timing>
 </p:sld>
 </file>
 
@@ -12934,10 +12029,9 @@
           <a:lstStyle/>
           <a:p>
             <a:r>
-              <a:rPr lang="en-US" b="1" dirty="0" smtClean="0"/>
+              <a:rPr lang="en-US" b="1" dirty="0"/>
               <a:t>More About PHP</a:t>
             </a:r>
-            <a:endParaRPr lang="en-US" b="1" dirty="0"/>
           </a:p>
         </p:txBody>
       </p:sp>
@@ -12974,15 +12068,7 @@
             </a:pPr>
             <a:r>
               <a:rPr lang="en-US" dirty="0"/>
-              <a:t>PHP is a widely-used, open source </a:t>
-            </a:r>
-            <a:r>
-              <a:rPr lang="en-US" dirty="0" smtClean="0"/>
-              <a:t>programming </a:t>
-            </a:r>
-            <a:r>
-              <a:rPr lang="en-US" dirty="0"/>
-              <a:t>language</a:t>
+              <a:t>PHP is a widely-used, open source programming language</a:t>
             </a:r>
           </a:p>
           <a:p>
@@ -12993,13 +12079,8 @@
             </a:pPr>
             <a:r>
               <a:rPr lang="en-US" dirty="0"/>
-              <a:t>PHP </a:t>
-            </a:r>
-            <a:r>
-              <a:rPr lang="en-US" dirty="0" smtClean="0"/>
-              <a:t>requires a server to execute code</a:t>
-            </a:r>
-            <a:endParaRPr lang="en-US" dirty="0"/>
+              <a:t>PHP requires a server to execute code</a:t>
+            </a:r>
           </a:p>
           <a:p>
             <a:pPr>
@@ -13027,13 +12108,6 @@
   <p:clrMapOvr>
     <a:masterClrMapping/>
   </p:clrMapOvr>
-  <p:timing>
-    <p:tnLst>
-      <p:par>
-        <p:cTn id="1" dur="indefinite" restart="never" nodeType="tmRoot"/>
-      </p:par>
-    </p:tnLst>
-  </p:timing>
 </p:sld>
 </file>
 
@@ -13077,18 +12151,9 @@
           <a:lstStyle/>
           <a:p>
             <a:r>
-              <a:rPr lang="en-US" b="1" dirty="0" smtClean="0"/>
-              <a:t>Class</a:t>
-            </a:r>
-            <a:r>
-              <a:rPr lang="en-US" b="1" dirty="0" smtClean="0"/>
-              <a:t> </a:t>
-            </a:r>
-            <a:r>
-              <a:rPr lang="en-US" b="1" dirty="0" smtClean="0"/>
-              <a:t>in PHP</a:t>
-            </a:r>
-            <a:endParaRPr lang="en-US" b="1" dirty="0"/>
+              <a:rPr lang="en-US" b="1" dirty="0"/>
+              <a:t>Class in PHP</a:t>
+            </a:r>
           </a:p>
         </p:txBody>
       </p:sp>
@@ -13118,12 +12183,8 @@
               <a:buNone/>
             </a:pPr>
             <a:r>
-              <a:rPr lang="en-US" sz="1600" dirty="0" smtClean="0"/>
-              <a:t>class </a:t>
-            </a:r>
-            <a:r>
               <a:rPr lang="en-US" sz="1600" dirty="0"/>
-              <a:t>Student extends User {</a:t>
+              <a:t>class Student extends User {</a:t>
             </a:r>
           </a:p>
           <a:p>
@@ -13233,13 +12294,6 @@
   <p:clrMapOvr>
     <a:masterClrMapping/>
   </p:clrMapOvr>
-  <p:timing>
-    <p:tnLst>
-      <p:par>
-        <p:cTn id="1" dur="indefinite" restart="never" nodeType="tmRoot"/>
-      </p:par>
-    </p:tnLst>
-  </p:timing>
 </p:sld>
 </file>
 
@@ -13283,18 +12337,9 @@
           <a:lstStyle/>
           <a:p>
             <a:r>
-              <a:rPr lang="en-US" b="1" dirty="0" smtClean="0"/>
-              <a:t>HTML Form handling in</a:t>
-            </a:r>
-            <a:r>
-              <a:rPr lang="en-US" b="1" dirty="0" smtClean="0"/>
-              <a:t> </a:t>
-            </a:r>
-            <a:r>
-              <a:rPr lang="en-US" b="1" dirty="0" smtClean="0"/>
-              <a:t>PHP</a:t>
-            </a:r>
-            <a:endParaRPr lang="en-US" b="1" dirty="0"/>
+              <a:rPr lang="en-US" b="1" dirty="0"/>
+              <a:t>HTML Form handling in PHP</a:t>
+            </a:r>
           </a:p>
         </p:txBody>
       </p:sp>
@@ -13319,6 +12364,57 @@
             <a:noAutofit/>
           </a:bodyPr>
           <a:lstStyle/>
+          <a:p>
+            <a:pPr lvl="2"/>
+            <a:r>
+              <a:rPr lang="en-US" sz="1600" dirty="0"/>
+              <a:t>To manipulate form we used the following Global arrays</a:t>
+            </a:r>
+          </a:p>
+          <a:p>
+            <a:pPr lvl="2">
+              <a:lnSpc>
+                <a:spcPct val="150000"/>
+              </a:lnSpc>
+            </a:pPr>
+            <a:r>
+              <a:rPr lang="en-US" dirty="0"/>
+              <a:t>$_POST</a:t>
+            </a:r>
+          </a:p>
+          <a:p>
+            <a:pPr lvl="2">
+              <a:lnSpc>
+                <a:spcPct val="150000"/>
+              </a:lnSpc>
+            </a:pPr>
+            <a:r>
+              <a:rPr lang="en-US" dirty="0"/>
+              <a:t>$_GET</a:t>
+            </a:r>
+          </a:p>
+          <a:p>
+            <a:pPr lvl="2">
+              <a:lnSpc>
+                <a:spcPct val="150000"/>
+              </a:lnSpc>
+            </a:pPr>
+            <a:r>
+              <a:rPr lang="en-US" dirty="0"/>
+              <a:t>$_REQUEST</a:t>
+            </a:r>
+          </a:p>
+          <a:p>
+            <a:pPr lvl="2">
+              <a:lnSpc>
+                <a:spcPct val="150000"/>
+              </a:lnSpc>
+            </a:pPr>
+            <a:r>
+              <a:rPr lang="en-US" dirty="0"/>
+              <a:t>$_FILES</a:t>
+            </a:r>
+          </a:p>
           <a:p>
             <a:pPr lvl="2"/>
             <a:endParaRPr lang="en-US" sz="1600" dirty="0"/>
@@ -13335,13 +12431,6 @@
   <p:clrMapOvr>
     <a:masterClrMapping/>
   </p:clrMapOvr>
-  <p:timing>
-    <p:tnLst>
-      <p:par>
-        <p:cTn id="1" dur="indefinite" restart="never" nodeType="tmRoot"/>
-      </p:par>
-    </p:tnLst>
-  </p:timing>
 </p:sld>
 </file>
 
@@ -13378,10 +12467,9 @@
           <a:lstStyle/>
           <a:p>
             <a:r>
-              <a:rPr lang="en-US" b="1" dirty="0" smtClean="0"/>
+              <a:rPr lang="en-US" b="1" dirty="0"/>
               <a:t>Creating Files in PHP</a:t>
             </a:r>
-            <a:endParaRPr lang="en-US" b="1" dirty="0"/>
           </a:p>
         </p:txBody>
       </p:sp>
@@ -13403,7 +12491,7 @@
             <a:pPr marL="0" indent="0">
               <a:buNone/>
             </a:pPr>
-            <a:endParaRPr lang="en-US" dirty="0" smtClean="0"/>
+            <a:endParaRPr lang="en-US" dirty="0"/>
           </a:p>
           <a:p>
             <a:r>
@@ -13411,10 +12499,10 @@
               <a:t>Have extension .</a:t>
             </a:r>
             <a:r>
-              <a:rPr lang="en-US" dirty="0" err="1" smtClean="0"/>
+              <a:rPr lang="en-US" dirty="0" err="1"/>
               <a:t>php</a:t>
             </a:r>
-            <a:endParaRPr lang="en-US" dirty="0" smtClean="0"/>
+            <a:endParaRPr lang="en-US" dirty="0"/>
           </a:p>
           <a:p>
             <a:pPr>
@@ -13423,7 +12511,7 @@
               </a:lnSpc>
             </a:pPr>
             <a:r>
-              <a:rPr lang="en-US" dirty="0" smtClean="0"/>
+              <a:rPr lang="en-US" dirty="0"/>
               <a:t>Always served on a server </a:t>
             </a:r>
           </a:p>
@@ -13437,7 +12525,6 @@
               <a:rPr lang="en-US" dirty="0"/>
               <a:t>Integrated with HTML, CSS and JavaScript</a:t>
             </a:r>
-            <a:endParaRPr lang="en-US" dirty="0" smtClean="0"/>
           </a:p>
           <a:p>
             <a:pPr>
@@ -13445,7 +12532,7 @@
                 <a:spcPct val="200000"/>
               </a:lnSpc>
             </a:pPr>
-            <a:endParaRPr lang="en-US" dirty="0" smtClean="0"/>
+            <a:endParaRPr lang="en-US" dirty="0"/>
           </a:p>
           <a:p>
             <a:pPr>
@@ -13467,13 +12554,6 @@
   <p:clrMapOvr>
     <a:masterClrMapping/>
   </p:clrMapOvr>
-  <p:timing>
-    <p:tnLst>
-      <p:par>
-        <p:cTn id="1" dur="indefinite" restart="never" nodeType="tmRoot"/>
-      </p:par>
-    </p:tnLst>
-  </p:timing>
 </p:sld>
 </file>
 
@@ -13510,10 +12590,9 @@
           <a:lstStyle/>
           <a:p>
             <a:r>
-              <a:rPr lang="en-US" b="1" dirty="0" smtClean="0"/>
+              <a:rPr lang="en-US" b="1" dirty="0"/>
               <a:t>Which Operations we can Performs ?</a:t>
             </a:r>
-            <a:endParaRPr lang="en-US" b="1" dirty="0"/>
           </a:p>
         </p:txBody>
       </p:sp>
@@ -13533,7 +12612,7 @@
           <a:lstStyle/>
           <a:p>
             <a:r>
-              <a:rPr lang="en-US" dirty="0" smtClean="0"/>
+              <a:rPr lang="en-US" dirty="0"/>
               <a:t>Create dynamic content</a:t>
             </a:r>
           </a:p>
@@ -13544,7 +12623,7 @@
               </a:lnSpc>
             </a:pPr>
             <a:r>
-              <a:rPr lang="en-US" dirty="0" smtClean="0"/>
+              <a:rPr lang="en-US" dirty="0"/>
               <a:t>Directly interaction with databases</a:t>
             </a:r>
           </a:p>
@@ -13555,7 +12634,7 @@
               </a:lnSpc>
             </a:pPr>
             <a:r>
-              <a:rPr lang="en-US" dirty="0" smtClean="0"/>
+              <a:rPr lang="en-US" dirty="0"/>
               <a:t>Perform CRUD operations</a:t>
             </a:r>
           </a:p>
@@ -13566,7 +12645,7 @@
               </a:lnSpc>
             </a:pPr>
             <a:r>
-              <a:rPr lang="en-US" dirty="0" smtClean="0"/>
+              <a:rPr lang="en-US" dirty="0"/>
               <a:t>Can use to encrypt/decrypt data</a:t>
             </a:r>
           </a:p>
@@ -13577,7 +12656,7 @@
               </a:lnSpc>
             </a:pPr>
             <a:r>
-              <a:rPr lang="en-US" dirty="0" smtClean="0"/>
+              <a:rPr lang="en-US" dirty="0"/>
               <a:t>User role access</a:t>
             </a:r>
           </a:p>
@@ -13601,13 +12680,6 @@
   <p:clrMapOvr>
     <a:masterClrMapping/>
   </p:clrMapOvr>
-  <p:timing>
-    <p:tnLst>
-      <p:par>
-        <p:cTn id="1" dur="indefinite" restart="never" nodeType="tmRoot"/>
-      </p:par>
-    </p:tnLst>
-  </p:timing>
 </p:sld>
 </file>
 
@@ -13649,10 +12721,9 @@
           <a:lstStyle/>
           <a:p>
             <a:r>
-              <a:rPr lang="en-US" b="1" dirty="0" smtClean="0"/>
+              <a:rPr lang="en-US" b="1" dirty="0"/>
               <a:t>Programming With PHP</a:t>
             </a:r>
-            <a:endParaRPr lang="en-US" b="1" dirty="0"/>
           </a:p>
         </p:txBody>
       </p:sp>
@@ -13688,64 +12759,40 @@
               <a:t>&lt;?</a:t>
             </a:r>
             <a:r>
-              <a:rPr lang="en-US" dirty="0" err="1" smtClean="0"/>
-              <a:t>php</a:t>
-            </a:r>
-            <a:r>
-              <a:rPr lang="en-US" dirty="0" smtClean="0"/>
-              <a:t> // </a:t>
-            </a:r>
-            <a:r>
-              <a:rPr lang="en-US" dirty="0"/>
-              <a:t>PHP </a:t>
-            </a:r>
-            <a:r>
-              <a:rPr lang="en-US" dirty="0" smtClean="0"/>
-              <a:t>Wrapper ?&gt; </a:t>
-            </a:r>
-          </a:p>
-          <a:p>
-            <a:pPr>
-              <a:lnSpc>
-                <a:spcPct val="200000"/>
-              </a:lnSpc>
-            </a:pPr>
-            <a:r>
-              <a:rPr lang="en-US" dirty="0" smtClean="0"/>
-              <a:t>&lt;h1&gt;</a:t>
-            </a:r>
-            <a:r>
-              <a:rPr lang="en-US" dirty="0"/>
-              <a:t> &lt;?</a:t>
-            </a:r>
-            <a:r>
               <a:rPr lang="en-US" dirty="0" err="1"/>
               <a:t>php</a:t>
             </a:r>
             <a:r>
               <a:rPr lang="en-US" dirty="0"/>
-              <a:t> </a:t>
-            </a:r>
-            <a:r>
-              <a:rPr lang="en-US" dirty="0" smtClean="0"/>
-              <a:t>echo “My PHP String”; </a:t>
-            </a:r>
-            <a:r>
-              <a:rPr lang="en-US" dirty="0"/>
-              <a:t>?&gt; </a:t>
-            </a:r>
-            <a:r>
-              <a:rPr lang="en-US" dirty="0" smtClean="0"/>
-              <a:t>&lt;/h1&gt; </a:t>
-            </a:r>
-            <a:r>
-              <a:rPr lang="en-US" dirty="0" smtClean="0">
+              <a:t> // PHP Wrapper ?&gt; </a:t>
+            </a:r>
+          </a:p>
+          <a:p>
+            <a:pPr>
+              <a:lnSpc>
+                <a:spcPct val="200000"/>
+              </a:lnSpc>
+            </a:pPr>
+            <a:r>
+              <a:rPr lang="en-US" dirty="0"/>
+              <a:t>&lt;h1&gt; &lt;?</a:t>
+            </a:r>
+            <a:r>
+              <a:rPr lang="en-US" dirty="0" err="1"/>
+              <a:t>php</a:t>
+            </a:r>
+            <a:r>
+              <a:rPr lang="en-US" dirty="0"/>
+              <a:t> echo “My PHP String”; ?&gt; &lt;/h1&gt; </a:t>
+            </a:r>
+            <a:r>
+              <a:rPr lang="en-US" dirty="0">
                 <a:sym typeface="Wingdings" panose="05000000000000000000" pitchFamily="2" charset="2"/>
               </a:rPr>
               <a:t></a:t>
             </a:r>
             <a:r>
-              <a:rPr lang="en-US" dirty="0" smtClean="0"/>
+              <a:rPr lang="en-US" dirty="0"/>
               <a:t> My PHP String</a:t>
             </a:r>
           </a:p>
@@ -13765,22 +12812,10 @@
             </a:r>
             <a:r>
               <a:rPr lang="en-US" dirty="0"/>
-              <a:t> </a:t>
-            </a:r>
-            <a:r>
-              <a:rPr lang="en-US" dirty="0" smtClean="0"/>
-              <a:t>echo 2 + 2; </a:t>
-            </a:r>
-            <a:r>
-              <a:rPr lang="en-US" dirty="0"/>
-              <a:t>?&gt; &lt;/h1</a:t>
-            </a:r>
-            <a:r>
-              <a:rPr lang="en-US" dirty="0" smtClean="0"/>
-              <a:t>&gt; </a:t>
-            </a:r>
-            <a:r>
-              <a:rPr lang="en-US" dirty="0" smtClean="0">
+              <a:t> echo 2 + 2; ?&gt; &lt;/h1&gt; </a:t>
+            </a:r>
+            <a:r>
+              <a:rPr lang="en-US" dirty="0">
                 <a:sym typeface="Wingdings" panose="05000000000000000000" pitchFamily="2" charset="2"/>
               </a:rPr>
               <a:t> 4</a:t>
@@ -13793,44 +12828,31 @@
               </a:lnSpc>
             </a:pPr>
             <a:r>
-              <a:rPr lang="en-US" b="1" dirty="0" smtClean="0"/>
+              <a:rPr lang="en-US" b="1" dirty="0"/>
               <a:t>Comments</a:t>
             </a:r>
-            <a:r>
-              <a:rPr lang="en-US" dirty="0"/>
-              <a:t/>
-            </a:r>
             <a:br>
               <a:rPr lang="en-US" dirty="0"/>
             </a:br>
             <a:r>
-              <a:rPr lang="en-US" dirty="0" smtClean="0"/>
+              <a:rPr lang="en-US" dirty="0"/>
               <a:t>// Single line comment</a:t>
             </a:r>
-            <a:r>
-              <a:rPr lang="en-US" dirty="0"/>
-              <a:t/>
-            </a:r>
             <a:br>
               <a:rPr lang="en-US" dirty="0"/>
             </a:br>
             <a:r>
               <a:rPr lang="en-US" dirty="0"/>
-              <a:t># </a:t>
-            </a:r>
-            <a:r>
-              <a:rPr lang="en-US" dirty="0" smtClean="0"/>
-              <a:t>Single line comment                                                                                          /* Multiline comment */</a:t>
-            </a:r>
+              <a:t># Single line comment                                                                                          /* Multiline comment */</a:t>
+            </a:r>
+          </a:p>
+          <a:p>
+            <a:pPr>
+              <a:lnSpc>
+                <a:spcPct val="200000"/>
+              </a:lnSpc>
+            </a:pPr>
             <a:endParaRPr lang="en-US" dirty="0"/>
-          </a:p>
-          <a:p>
-            <a:pPr>
-              <a:lnSpc>
-                <a:spcPct val="200000"/>
-              </a:lnSpc>
-            </a:pPr>
-            <a:endParaRPr lang="en-US" dirty="0" smtClean="0"/>
           </a:p>
         </p:txBody>
       </p:sp>
@@ -13844,13 +12866,6 @@
   <p:clrMapOvr>
     <a:masterClrMapping/>
   </p:clrMapOvr>
-  <p:timing>
-    <p:tnLst>
-      <p:par>
-        <p:cTn id="1" dur="indefinite" restart="never" nodeType="tmRoot"/>
-      </p:par>
-    </p:tnLst>
-  </p:timing>
 </p:sld>
 </file>
 
@@ -13892,10 +12907,9 @@
           <a:lstStyle/>
           <a:p>
             <a:r>
-              <a:rPr lang="en-US" b="1" dirty="0" smtClean="0"/>
+              <a:rPr lang="en-US" b="1" dirty="0"/>
               <a:t>Variables in PHP</a:t>
             </a:r>
-            <a:endParaRPr lang="en-US" b="1" dirty="0"/>
           </a:p>
         </p:txBody>
       </p:sp>
@@ -13927,23 +12941,23 @@
               </a:lnSpc>
             </a:pPr>
             <a:r>
-              <a:rPr lang="en-US" dirty="0" smtClean="0"/>
+              <a:rPr lang="en-US" dirty="0"/>
               <a:t>$ sign is used to declare a variable </a:t>
             </a:r>
             <a:r>
-              <a:rPr lang="en-US" dirty="0" smtClean="0">
+              <a:rPr lang="en-US" dirty="0">
                 <a:sym typeface="Wingdings" panose="05000000000000000000" pitchFamily="2" charset="2"/>
               </a:rPr>
               <a:t> $number, $</a:t>
             </a:r>
             <a:r>
-              <a:rPr lang="en-US" dirty="0" err="1" smtClean="0">
+              <a:rPr lang="en-US" dirty="0" err="1">
                 <a:sym typeface="Wingdings" panose="05000000000000000000" pitchFamily="2" charset="2"/>
               </a:rPr>
               <a:t>myString</a:t>
             </a:r>
             <a:r>
-              <a:rPr lang="en-US" dirty="0" smtClean="0">
+              <a:rPr lang="en-US" dirty="0">
                 <a:sym typeface="Wingdings" panose="05000000000000000000" pitchFamily="2" charset="2"/>
               </a:rPr>
               <a:t>;</a:t>
@@ -13956,31 +12970,31 @@
               </a:lnSpc>
             </a:pPr>
             <a:r>
-              <a:rPr lang="en-US" dirty="0" smtClean="0">
+              <a:rPr lang="en-US" dirty="0">
                 <a:sym typeface="Wingdings" panose="05000000000000000000" pitchFamily="2" charset="2"/>
               </a:rPr>
               <a:t>We can't use number or special character while initializing variable like $4number , $%</a:t>
             </a:r>
             <a:r>
-              <a:rPr lang="en-US" dirty="0" err="1" smtClean="0">
+              <a:rPr lang="en-US" dirty="0" err="1">
                 <a:sym typeface="Wingdings" panose="05000000000000000000" pitchFamily="2" charset="2"/>
               </a:rPr>
               <a:t>myString</a:t>
             </a:r>
             <a:r>
-              <a:rPr lang="en-US" dirty="0" smtClean="0">
+              <a:rPr lang="en-US" dirty="0">
                 <a:sym typeface="Wingdings" panose="05000000000000000000" pitchFamily="2" charset="2"/>
               </a:rPr>
               <a:t>, $-</a:t>
             </a:r>
             <a:r>
-              <a:rPr lang="en-US" dirty="0" err="1" smtClean="0">
+              <a:rPr lang="en-US" dirty="0" err="1">
                 <a:sym typeface="Wingdings" panose="05000000000000000000" pitchFamily="2" charset="2"/>
               </a:rPr>
               <a:t>newvar</a:t>
             </a:r>
             <a:r>
-              <a:rPr lang="en-US" dirty="0" smtClean="0">
+              <a:rPr lang="en-US" dirty="0">
                 <a:sym typeface="Wingdings" panose="05000000000000000000" pitchFamily="2" charset="2"/>
               </a:rPr>
               <a:t>, all are invalid declarations</a:t>
@@ -13993,45 +13007,37 @@
               </a:lnSpc>
             </a:pPr>
             <a:r>
-              <a:rPr lang="en-US" dirty="0" smtClean="0">
+              <a:rPr lang="en-US" dirty="0">
                 <a:sym typeface="Wingdings" panose="05000000000000000000" pitchFamily="2" charset="2"/>
               </a:rPr>
               <a:t>Variable can be started with alphabet (A-Z, a-z), or underscore (_)              or </a:t>
             </a:r>
             <a:r>
-              <a:rPr lang="en-US" dirty="0" smtClean="0"/>
-              <a:t>(A-Z, a-z, </a:t>
-            </a:r>
-            <a:r>
-              <a:rPr lang="en-US" dirty="0"/>
-              <a:t>0-9, </a:t>
-            </a:r>
-            <a:r>
-              <a:rPr lang="en-US" dirty="0" smtClean="0"/>
-              <a:t>_ ) $</a:t>
-            </a:r>
-            <a:r>
-              <a:rPr lang="en-US" dirty="0" err="1" smtClean="0"/>
+              <a:rPr lang="en-US" dirty="0"/>
+              <a:t>(A-Z, a-z, 0-9, _ ) $</a:t>
+            </a:r>
+            <a:r>
+              <a:rPr lang="en-US" dirty="0" err="1"/>
               <a:t>num</a:t>
             </a:r>
             <a:r>
-              <a:rPr lang="en-US" dirty="0" smtClean="0"/>
+              <a:rPr lang="en-US" dirty="0"/>
               <a:t>, $_</a:t>
             </a:r>
             <a:r>
-              <a:rPr lang="en-US" dirty="0" err="1" smtClean="0"/>
+              <a:rPr lang="en-US" dirty="0" err="1"/>
               <a:t>num</a:t>
             </a:r>
             <a:r>
-              <a:rPr lang="en-US" dirty="0" smtClean="0"/>
+              <a:rPr lang="en-US" dirty="0"/>
               <a:t>, $num4, $</a:t>
             </a:r>
             <a:r>
-              <a:rPr lang="en-US" dirty="0" err="1" smtClean="0"/>
+              <a:rPr lang="en-US" dirty="0" err="1"/>
               <a:t>Num</a:t>
             </a:r>
             <a:r>
-              <a:rPr lang="en-US" dirty="0" smtClean="0"/>
+              <a:rPr lang="en-US" dirty="0"/>
               <a:t> are valid variables</a:t>
             </a:r>
           </a:p>
@@ -14042,7 +13048,7 @@
               </a:lnSpc>
             </a:pPr>
             <a:r>
-              <a:rPr lang="en-US" dirty="0" smtClean="0"/>
+              <a:rPr lang="en-US" dirty="0"/>
               <a:t>Variable names are case-sensitive </a:t>
             </a:r>
           </a:p>
@@ -14053,23 +13059,23 @@
               </a:lnSpc>
             </a:pPr>
             <a:r>
-              <a:rPr lang="en-US" dirty="0" smtClean="0"/>
+              <a:rPr lang="en-US" dirty="0"/>
               <a:t>$</a:t>
             </a:r>
             <a:r>
-              <a:rPr lang="en-US" dirty="0" err="1" smtClean="0"/>
+              <a:rPr lang="en-US" dirty="0" err="1"/>
               <a:t>num</a:t>
             </a:r>
             <a:r>
-              <a:rPr lang="en-US" dirty="0" smtClean="0"/>
+              <a:rPr lang="en-US" dirty="0"/>
               <a:t> and $</a:t>
             </a:r>
             <a:r>
-              <a:rPr lang="en-US" dirty="0" err="1" smtClean="0"/>
+              <a:rPr lang="en-US" dirty="0" err="1"/>
               <a:t>Num</a:t>
             </a:r>
             <a:r>
-              <a:rPr lang="en-US" dirty="0" smtClean="0"/>
+              <a:rPr lang="en-US" dirty="0"/>
               <a:t> and $NUM all are different declarations/variables</a:t>
             </a:r>
           </a:p>
@@ -14080,7 +13086,7 @@
               </a:lnSpc>
             </a:pPr>
             <a:r>
-              <a:rPr lang="en-US" dirty="0" smtClean="0"/>
+              <a:rPr lang="en-US" dirty="0"/>
               <a:t>Variable scope local or global </a:t>
             </a:r>
           </a:p>
@@ -14096,13 +13102,6 @@
   <p:clrMapOvr>
     <a:masterClrMapping/>
   </p:clrMapOvr>
-  <p:timing>
-    <p:tnLst>
-      <p:par>
-        <p:cTn id="1" dur="indefinite" restart="never" nodeType="tmRoot"/>
-      </p:par>
-    </p:tnLst>
-  </p:timing>
 </p:sld>
 </file>
 
@@ -14144,10 +13143,9 @@
           <a:lstStyle/>
           <a:p>
             <a:r>
-              <a:rPr lang="en-US" b="1" dirty="0" smtClean="0"/>
+              <a:rPr lang="en-US" b="1" dirty="0"/>
               <a:t>Local/Global Variables in PHP</a:t>
             </a:r>
-            <a:endParaRPr lang="en-US" b="1" dirty="0"/>
           </a:p>
         </p:txBody>
       </p:sp>
@@ -14180,7 +13178,7 @@
               <a:buNone/>
             </a:pPr>
             <a:r>
-              <a:rPr lang="en-US" dirty="0" smtClean="0"/>
+              <a:rPr lang="en-US" dirty="0"/>
               <a:t>$x = 1; $y = 2;</a:t>
             </a:r>
           </a:p>
@@ -14189,11 +13187,11 @@
               <a:buNone/>
             </a:pPr>
             <a:r>
-              <a:rPr lang="en-US" dirty="0" smtClean="0"/>
+              <a:rPr lang="en-US" dirty="0"/>
               <a:t>echo $x + $y; </a:t>
             </a:r>
             <a:r>
-              <a:rPr lang="en-US" dirty="0" smtClean="0">
+              <a:rPr lang="en-US" dirty="0">
                 <a:sym typeface="Wingdings" panose="05000000000000000000" pitchFamily="2" charset="2"/>
               </a:rPr>
               <a:t> 3;</a:t>
@@ -14204,93 +13202,10 @@
               <a:buNone/>
             </a:pPr>
             <a:r>
-              <a:rPr lang="en-US" dirty="0" smtClean="0">
+              <a:rPr lang="en-US" dirty="0">
                 <a:sym typeface="Wingdings" panose="05000000000000000000" pitchFamily="2" charset="2"/>
               </a:rPr>
               <a:t>function sum(){</a:t>
-            </a:r>
-            <a:br>
-              <a:rPr lang="en-US" dirty="0" smtClean="0">
-                <a:sym typeface="Wingdings" panose="05000000000000000000" pitchFamily="2" charset="2"/>
-              </a:rPr>
-            </a:br>
-            <a:r>
-              <a:rPr lang="en-US" dirty="0" smtClean="0">
-                <a:sym typeface="Wingdings" panose="05000000000000000000" pitchFamily="2" charset="2"/>
-              </a:rPr>
-              <a:t>	</a:t>
-            </a:r>
-            <a:r>
-              <a:rPr lang="en-US" dirty="0"/>
-              <a:t> echo $x + $y; </a:t>
-            </a:r>
-            <a:r>
-              <a:rPr lang="en-US" dirty="0" smtClean="0">
-                <a:sym typeface="Wingdings" panose="05000000000000000000" pitchFamily="2" charset="2"/>
-              </a:rPr>
-              <a:t> generate error because defined locally</a:t>
-            </a:r>
-          </a:p>
-          <a:p>
-            <a:pPr marL="0" indent="0">
-              <a:buNone/>
-            </a:pPr>
-            <a:r>
-              <a:rPr lang="en-US" dirty="0" smtClean="0">
-                <a:sym typeface="Wingdings" panose="05000000000000000000" pitchFamily="2" charset="2"/>
-              </a:rPr>
-              <a:t>}</a:t>
-            </a:r>
-          </a:p>
-          <a:p>
-            <a:pPr marL="0" indent="0">
-              <a:buNone/>
-            </a:pPr>
-            <a:r>
-              <a:rPr lang="en-US" b="1" dirty="0" smtClean="0">
-                <a:sym typeface="Wingdings" panose="05000000000000000000" pitchFamily="2" charset="2"/>
-              </a:rPr>
-              <a:t>Global Variables</a:t>
-            </a:r>
-          </a:p>
-          <a:p>
-            <a:pPr marL="0" indent="0">
-              <a:buNone/>
-            </a:pPr>
-            <a:r>
-              <a:rPr lang="en-US" dirty="0">
-                <a:sym typeface="Wingdings" panose="05000000000000000000" pitchFamily="2" charset="2"/>
-              </a:rPr>
-              <a:t>function sum</a:t>
-            </a:r>
-            <a:r>
-              <a:rPr lang="en-US" dirty="0" smtClean="0">
-                <a:sym typeface="Wingdings" panose="05000000000000000000" pitchFamily="2" charset="2"/>
-              </a:rPr>
-              <a:t>(){</a:t>
-            </a:r>
-          </a:p>
-          <a:p>
-            <a:pPr marL="0" indent="0">
-              <a:buNone/>
-            </a:pPr>
-            <a:r>
-              <a:rPr lang="en-US" dirty="0">
-                <a:sym typeface="Wingdings" panose="05000000000000000000" pitchFamily="2" charset="2"/>
-              </a:rPr>
-              <a:t>	</a:t>
-            </a:r>
-            <a:r>
-              <a:rPr lang="en-US" dirty="0" smtClean="0">
-                <a:sym typeface="Wingdings" panose="05000000000000000000" pitchFamily="2" charset="2"/>
-              </a:rPr>
-              <a:t>global $x, $y;</a:t>
-            </a:r>
-            <a:r>
-              <a:rPr lang="en-US" dirty="0">
-                <a:sym typeface="Wingdings" panose="05000000000000000000" pitchFamily="2" charset="2"/>
-              </a:rPr>
-              <a:t/>
             </a:r>
             <a:br>
               <a:rPr lang="en-US" dirty="0">
@@ -14304,29 +13219,96 @@
               <a:t>	</a:t>
             </a:r>
             <a:r>
-              <a:rPr lang="en-US" dirty="0" smtClean="0"/>
-              <a:t>echo </a:t>
-            </a:r>
-            <a:r>
-              <a:rPr lang="en-US" dirty="0"/>
-              <a:t>$x + $y; </a:t>
-            </a:r>
-            <a:r>
-              <a:rPr lang="en-US" dirty="0" smtClean="0">
+              <a:rPr lang="en-US" dirty="0"/>
+              <a:t> echo $x + $y; </a:t>
+            </a:r>
+            <a:r>
+              <a:rPr lang="en-US" dirty="0">
+                <a:sym typeface="Wingdings" panose="05000000000000000000" pitchFamily="2" charset="2"/>
+              </a:rPr>
+              <a:t> generate error because </a:t>
+            </a:r>
+            <a:r>
+              <a:rPr lang="en-US">
+                <a:sym typeface="Wingdings" panose="05000000000000000000" pitchFamily="2" charset="2"/>
+              </a:rPr>
+              <a:t>defined globally</a:t>
+            </a:r>
+            <a:endParaRPr lang="en-US" dirty="0">
+              <a:sym typeface="Wingdings" panose="05000000000000000000" pitchFamily="2" charset="2"/>
+            </a:endParaRPr>
+          </a:p>
+          <a:p>
+            <a:pPr marL="0" indent="0">
+              <a:buNone/>
+            </a:pPr>
+            <a:r>
+              <a:rPr lang="en-US" dirty="0">
+                <a:sym typeface="Wingdings" panose="05000000000000000000" pitchFamily="2" charset="2"/>
+              </a:rPr>
+              <a:t>}</a:t>
+            </a:r>
+          </a:p>
+          <a:p>
+            <a:pPr marL="0" indent="0">
+              <a:buNone/>
+            </a:pPr>
+            <a:r>
+              <a:rPr lang="en-US" b="1" dirty="0">
+                <a:sym typeface="Wingdings" panose="05000000000000000000" pitchFamily="2" charset="2"/>
+              </a:rPr>
+              <a:t>Global Variables</a:t>
+            </a:r>
+          </a:p>
+          <a:p>
+            <a:pPr marL="0" indent="0">
+              <a:buNone/>
+            </a:pPr>
+            <a:r>
+              <a:rPr lang="en-US" dirty="0">
+                <a:sym typeface="Wingdings" panose="05000000000000000000" pitchFamily="2" charset="2"/>
+              </a:rPr>
+              <a:t>function sum(){</a:t>
+            </a:r>
+          </a:p>
+          <a:p>
+            <a:pPr marL="0" indent="0">
+              <a:buNone/>
+            </a:pPr>
+            <a:r>
+              <a:rPr lang="en-US" dirty="0">
+                <a:sym typeface="Wingdings" panose="05000000000000000000" pitchFamily="2" charset="2"/>
+              </a:rPr>
+              <a:t>	global $x, $y;</a:t>
+            </a:r>
+            <a:br>
+              <a:rPr lang="en-US" dirty="0">
+                <a:sym typeface="Wingdings" panose="05000000000000000000" pitchFamily="2" charset="2"/>
+              </a:rPr>
+            </a:br>
+            <a:r>
+              <a:rPr lang="en-US" dirty="0">
+                <a:sym typeface="Wingdings" panose="05000000000000000000" pitchFamily="2" charset="2"/>
+              </a:rPr>
+              <a:t>	</a:t>
+            </a:r>
+            <a:r>
+              <a:rPr lang="en-US" dirty="0"/>
+              <a:t>echo $x + $y; </a:t>
+            </a:r>
+            <a:r>
+              <a:rPr lang="en-US" dirty="0">
                 <a:sym typeface="Wingdings" panose="05000000000000000000" pitchFamily="2" charset="2"/>
               </a:rPr>
               <a:t> 3 print correct result be we called variables as global</a:t>
             </a:r>
-            <a:endParaRPr lang="en-US" dirty="0">
-              <a:sym typeface="Wingdings" panose="05000000000000000000" pitchFamily="2" charset="2"/>
-            </a:endParaRPr>
           </a:p>
           <a:p>
             <a:pPr marL="0" indent="0">
               <a:buNone/>
             </a:pPr>
             <a:r>
-              <a:rPr lang="en-US" dirty="0" smtClean="0">
+              <a:rPr lang="en-US" dirty="0">
                 <a:sym typeface="Wingdings" panose="05000000000000000000" pitchFamily="2" charset="2"/>
               </a:rPr>
               <a:t>}</a:t>
@@ -14337,23 +13319,19 @@
               <a:buNone/>
             </a:pPr>
             <a:r>
-              <a:rPr lang="en-US" dirty="0" smtClean="0"/>
+              <a:rPr lang="en-US" dirty="0"/>
               <a:t>Function sum(){</a:t>
             </a:r>
             <a:br>
-              <a:rPr lang="en-US" dirty="0" smtClean="0"/>
+              <a:rPr lang="en-US" dirty="0"/>
             </a:br>
             <a:r>
-              <a:rPr lang="en-US" dirty="0" smtClean="0"/>
+              <a:rPr lang="en-US" dirty="0"/>
               <a:t>	</a:t>
             </a:r>
             <a:r>
               <a:rPr lang="es-ES" dirty="0"/>
-              <a:t> echo $GLOBALS['x'] + $GLOBALS['y</a:t>
-            </a:r>
-            <a:r>
-              <a:rPr lang="es-ES" dirty="0" smtClean="0"/>
-              <a:t>']; </a:t>
+              <a:t> echo $GLOBALS['x'] + $GLOBALS['y']; </a:t>
             </a:r>
           </a:p>
           <a:p>
@@ -14364,35 +13342,19 @@
               <a:rPr lang="es-ES" dirty="0">
                 <a:sym typeface="Wingdings" panose="05000000000000000000" pitchFamily="2" charset="2"/>
               </a:rPr>
-              <a:t>	</a:t>
-            </a:r>
-            <a:r>
-              <a:rPr lang="es-ES" dirty="0" smtClean="0">
-                <a:sym typeface="Wingdings" panose="05000000000000000000" pitchFamily="2" charset="2"/>
-              </a:rPr>
-              <a:t></a:t>
-            </a:r>
-            <a:r>
-              <a:rPr lang="en-US" dirty="0" smtClean="0">
-                <a:sym typeface="Wingdings" panose="05000000000000000000" pitchFamily="2" charset="2"/>
-              </a:rPr>
-              <a:t> </a:t>
+              <a:t>	</a:t>
             </a:r>
             <a:r>
               <a:rPr lang="en-US" dirty="0">
                 <a:sym typeface="Wingdings" panose="05000000000000000000" pitchFamily="2" charset="2"/>
               </a:rPr>
-              <a:t>3 print correct result be we called variables as global</a:t>
-            </a:r>
-            <a:r>
-              <a:rPr lang="en-US" dirty="0" smtClean="0"/>
-              <a:t/>
+              <a:t> 3 print correct result be we called variables as global</a:t>
             </a:r>
             <a:br>
-              <a:rPr lang="en-US" dirty="0" smtClean="0"/>
+              <a:rPr lang="en-US" dirty="0"/>
             </a:br>
             <a:r>
-              <a:rPr lang="en-US" dirty="0" smtClean="0"/>
+              <a:rPr lang="en-US" dirty="0"/>
               <a:t>}</a:t>
             </a:r>
           </a:p>
@@ -14408,13 +13370,6 @@
   <p:clrMapOvr>
     <a:masterClrMapping/>
   </p:clrMapOvr>
-  <p:timing>
-    <p:tnLst>
-      <p:par>
-        <p:cTn id="1" dur="indefinite" restart="never" nodeType="tmRoot"/>
-      </p:par>
-    </p:tnLst>
-  </p:timing>
 </p:sld>
 </file>
 
@@ -14456,10 +13411,9 @@
           <a:lstStyle/>
           <a:p>
             <a:r>
-              <a:rPr lang="en-US" b="1" dirty="0" smtClean="0"/>
+              <a:rPr lang="en-US" b="1" dirty="0"/>
               <a:t>Data Types in PHP</a:t>
             </a:r>
-            <a:endParaRPr lang="en-US" b="1" dirty="0"/>
           </a:p>
         </p:txBody>
       </p:sp>
@@ -14491,7 +13445,7 @@
               </a:lnSpc>
             </a:pPr>
             <a:r>
-              <a:rPr lang="en-US" dirty="0" smtClean="0"/>
+              <a:rPr lang="en-US" dirty="0"/>
               <a:t>Different type of data can be stored in variables for manipulation</a:t>
             </a:r>
           </a:p>
@@ -14502,10 +13456,9 @@
               </a:lnSpc>
             </a:pPr>
             <a:r>
-              <a:rPr lang="en-US" dirty="0" smtClean="0"/>
+              <a:rPr lang="en-US" dirty="0"/>
               <a:t>String ( Combination of multiple characters )</a:t>
             </a:r>
-            <a:endParaRPr lang="en-US" dirty="0"/>
           </a:p>
           <a:p>
             <a:pPr lvl="1">
@@ -14514,10 +13467,9 @@
               </a:lnSpc>
             </a:pPr>
             <a:r>
-              <a:rPr lang="en-US" dirty="0" smtClean="0"/>
+              <a:rPr lang="en-US" dirty="0"/>
               <a:t>Integer ( 0-9 )</a:t>
             </a:r>
-            <a:endParaRPr lang="en-US" dirty="0"/>
           </a:p>
           <a:p>
             <a:pPr lvl="1">
@@ -14527,13 +13479,8 @@
             </a:pPr>
             <a:r>
               <a:rPr lang="en-US" dirty="0"/>
-              <a:t>Float </a:t>
-            </a:r>
-            <a:r>
-              <a:rPr lang="en-US" dirty="0" smtClean="0"/>
-              <a:t>(decimal values)</a:t>
-            </a:r>
-            <a:endParaRPr lang="en-US" dirty="0"/>
+              <a:t>Float (decimal values)</a:t>
+            </a:r>
           </a:p>
           <a:p>
             <a:pPr lvl="1">
@@ -14542,10 +13489,9 @@
               </a:lnSpc>
             </a:pPr>
             <a:r>
-              <a:rPr lang="en-US" dirty="0" smtClean="0"/>
+              <a:rPr lang="en-US" dirty="0"/>
               <a:t>Boolean ( true / false ) </a:t>
             </a:r>
-            <a:endParaRPr lang="en-US" dirty="0"/>
           </a:p>
           <a:p>
             <a:pPr lvl="1">
@@ -14554,10 +13500,9 @@
               </a:lnSpc>
             </a:pPr>
             <a:r>
-              <a:rPr lang="en-US" dirty="0" smtClean="0"/>
+              <a:rPr lang="en-US" dirty="0"/>
               <a:t>Array ( used to store multiple values )</a:t>
             </a:r>
-            <a:endParaRPr lang="en-US" dirty="0"/>
           </a:p>
           <a:p>
             <a:pPr lvl="1">
@@ -14566,20 +13511,19 @@
               </a:lnSpc>
             </a:pPr>
             <a:r>
-              <a:rPr lang="en-US" dirty="0" smtClean="0"/>
+              <a:rPr lang="en-US" dirty="0"/>
               <a:t>Object ( a single entity </a:t>
             </a:r>
             <a:r>
-              <a:rPr lang="en-US" dirty="0" smtClean="0">
+              <a:rPr lang="en-US" dirty="0">
                 <a:sym typeface="Wingdings" panose="05000000000000000000" pitchFamily="2" charset="2"/>
               </a:rPr>
               <a:t> person, place, device</a:t>
             </a:r>
             <a:r>
-              <a:rPr lang="en-US" dirty="0" smtClean="0"/>
+              <a:rPr lang="en-US" dirty="0"/>
               <a:t> )</a:t>
             </a:r>
-            <a:endParaRPr lang="en-US" dirty="0"/>
           </a:p>
           <a:p>
             <a:pPr lvl="1">
@@ -14588,10 +13532,9 @@
               </a:lnSpc>
             </a:pPr>
             <a:r>
-              <a:rPr lang="en-US" dirty="0" smtClean="0"/>
+              <a:rPr lang="en-US" dirty="0"/>
               <a:t>NULL ( empty value )</a:t>
             </a:r>
-            <a:endParaRPr lang="en-US" dirty="0"/>
           </a:p>
         </p:txBody>
       </p:sp>
@@ -14605,13 +13548,6 @@
   <p:clrMapOvr>
     <a:masterClrMapping/>
   </p:clrMapOvr>
-  <p:timing>
-    <p:tnLst>
-      <p:par>
-        <p:cTn id="1" dur="indefinite" restart="never" nodeType="tmRoot"/>
-      </p:par>
-    </p:tnLst>
-  </p:timing>
 </p:sld>
 </file>
 
